--- a/midterm presentation/Presentation-StartingTemplate.pptx
+++ b/midterm presentation/Presentation-StartingTemplate.pptx
@@ -2,7 +2,7 @@
 <file path=ppt/presentation.xml><?xml version="1.0" encoding="utf-8"?>
 <p:presentation xmlns:a="http://schemas.openxmlformats.org/drawingml/2006/main" xmlns:r="http://schemas.openxmlformats.org/officeDocument/2006/relationships" xmlns:p="http://schemas.openxmlformats.org/presentationml/2006/main" saveSubsetFonts="1">
   <p:sldMasterIdLst>
-    <p:sldMasterId id="2147483648" r:id="rId1"/>
+    <p:sldMasterId id="2147483726" r:id="rId1"/>
   </p:sldMasterIdLst>
   <p:sldIdLst>
     <p:sldId id="256" r:id="rId2"/>
@@ -20,7 +20,7 @@
     <a:defPPr>
       <a:defRPr lang="en-US"/>
     </a:defPPr>
-    <a:lvl1pPr marL="0" algn="l" defTabSz="914400" rtl="0" eaLnBrk="1" latinLnBrk="0" hangingPunct="1">
+    <a:lvl1pPr marL="0" algn="l" defTabSz="457200" rtl="0" eaLnBrk="1" latinLnBrk="0" hangingPunct="1">
       <a:defRPr sz="1800" kern="1200">
         <a:solidFill>
           <a:schemeClr val="tx1"/>
@@ -30,7 +30,7 @@
         <a:cs typeface="+mn-cs"/>
       </a:defRPr>
     </a:lvl1pPr>
-    <a:lvl2pPr marL="457200" algn="l" defTabSz="914400" rtl="0" eaLnBrk="1" latinLnBrk="0" hangingPunct="1">
+    <a:lvl2pPr marL="457200" algn="l" defTabSz="457200" rtl="0" eaLnBrk="1" latinLnBrk="0" hangingPunct="1">
       <a:defRPr sz="1800" kern="1200">
         <a:solidFill>
           <a:schemeClr val="tx1"/>
@@ -40,7 +40,7 @@
         <a:cs typeface="+mn-cs"/>
       </a:defRPr>
     </a:lvl2pPr>
-    <a:lvl3pPr marL="914400" algn="l" defTabSz="914400" rtl="0" eaLnBrk="1" latinLnBrk="0" hangingPunct="1">
+    <a:lvl3pPr marL="914400" algn="l" defTabSz="457200" rtl="0" eaLnBrk="1" latinLnBrk="0" hangingPunct="1">
       <a:defRPr sz="1800" kern="1200">
         <a:solidFill>
           <a:schemeClr val="tx1"/>
@@ -50,7 +50,7 @@
         <a:cs typeface="+mn-cs"/>
       </a:defRPr>
     </a:lvl3pPr>
-    <a:lvl4pPr marL="1371600" algn="l" defTabSz="914400" rtl="0" eaLnBrk="1" latinLnBrk="0" hangingPunct="1">
+    <a:lvl4pPr marL="1371600" algn="l" defTabSz="457200" rtl="0" eaLnBrk="1" latinLnBrk="0" hangingPunct="1">
       <a:defRPr sz="1800" kern="1200">
         <a:solidFill>
           <a:schemeClr val="tx1"/>
@@ -60,7 +60,7 @@
         <a:cs typeface="+mn-cs"/>
       </a:defRPr>
     </a:lvl4pPr>
-    <a:lvl5pPr marL="1828800" algn="l" defTabSz="914400" rtl="0" eaLnBrk="1" latinLnBrk="0" hangingPunct="1">
+    <a:lvl5pPr marL="1828800" algn="l" defTabSz="457200" rtl="0" eaLnBrk="1" latinLnBrk="0" hangingPunct="1">
       <a:defRPr sz="1800" kern="1200">
         <a:solidFill>
           <a:schemeClr val="tx1"/>
@@ -70,7 +70,7 @@
         <a:cs typeface="+mn-cs"/>
       </a:defRPr>
     </a:lvl5pPr>
-    <a:lvl6pPr marL="2286000" algn="l" defTabSz="914400" rtl="0" eaLnBrk="1" latinLnBrk="0" hangingPunct="1">
+    <a:lvl6pPr marL="2286000" algn="l" defTabSz="457200" rtl="0" eaLnBrk="1" latinLnBrk="0" hangingPunct="1">
       <a:defRPr sz="1800" kern="1200">
         <a:solidFill>
           <a:schemeClr val="tx1"/>
@@ -80,7 +80,7 @@
         <a:cs typeface="+mn-cs"/>
       </a:defRPr>
     </a:lvl6pPr>
-    <a:lvl7pPr marL="2743200" algn="l" defTabSz="914400" rtl="0" eaLnBrk="1" latinLnBrk="0" hangingPunct="1">
+    <a:lvl7pPr marL="2743200" algn="l" defTabSz="457200" rtl="0" eaLnBrk="1" latinLnBrk="0" hangingPunct="1">
       <a:defRPr sz="1800" kern="1200">
         <a:solidFill>
           <a:schemeClr val="tx1"/>
@@ -90,7 +90,7 @@
         <a:cs typeface="+mn-cs"/>
       </a:defRPr>
     </a:lvl7pPr>
-    <a:lvl8pPr marL="3200400" algn="l" defTabSz="914400" rtl="0" eaLnBrk="1" latinLnBrk="0" hangingPunct="1">
+    <a:lvl8pPr marL="3200400" algn="l" defTabSz="457200" rtl="0" eaLnBrk="1" latinLnBrk="0" hangingPunct="1">
       <a:defRPr sz="1800" kern="1200">
         <a:solidFill>
           <a:schemeClr val="tx1"/>
@@ -100,7 +100,7 @@
         <a:cs typeface="+mn-cs"/>
       </a:defRPr>
     </a:lvl8pPr>
-    <a:lvl9pPr marL="3657600" algn="l" defTabSz="914400" rtl="0" eaLnBrk="1" latinLnBrk="0" hangingPunct="1">
+    <a:lvl9pPr marL="3657600" algn="l" defTabSz="457200" rtl="0" eaLnBrk="1" latinLnBrk="0" hangingPunct="1">
       <a:defRPr sz="1800" kern="1200">
         <a:solidFill>
           <a:schemeClr val="tx1"/>
@@ -122,6 +122,14 @@
 <file path=ppt/slideLayouts/slideLayout1.xml><?xml version="1.0" encoding="utf-8"?>
 <p:sldLayout xmlns:a="http://schemas.openxmlformats.org/drawingml/2006/main" xmlns:r="http://schemas.openxmlformats.org/officeDocument/2006/relationships" xmlns:p="http://schemas.openxmlformats.org/presentationml/2006/main" type="title" preserve="1">
   <p:cSld name="Title Slide">
+    <p:bg>
+      <p:bgPr>
+        <a:solidFill>
+          <a:schemeClr val="accent2"/>
+        </a:solidFill>
+        <a:effectLst/>
+      </p:bgPr>
+    </p:bg>
     <p:spTree>
       <p:nvGrpSpPr>
         <p:cNvPr id="1" name=""/>
@@ -146,50 +154,74 @@
             <p:ph type="ctrTitle"/>
           </p:nvPr>
         </p:nvSpPr>
+        <p:spPr bwMode="blackWhite">
+          <a:xfrm>
+            <a:off x="1600200" y="2386744"/>
+            <a:ext cx="8991600" cy="1645920"/>
+          </a:xfrm>
+          <a:solidFill>
+            <a:srgbClr val="FFFFFF"/>
+          </a:solidFill>
+          <a:ln w="38100">
+            <a:solidFill>
+              <a:srgbClr val="404040"/>
+            </a:solidFill>
+          </a:ln>
+        </p:spPr>
+        <p:txBody>
+          <a:bodyPr lIns="274320" rIns="274320" anchor="ctr" anchorCtr="1">
+            <a:normAutofit/>
+          </a:bodyPr>
+          <a:lstStyle>
+            <a:lvl1pPr algn="ctr">
+              <a:defRPr sz="3800">
+                <a:solidFill>
+                  <a:srgbClr val="262626"/>
+                </a:solidFill>
+              </a:defRPr>
+            </a:lvl1pPr>
+          </a:lstStyle>
+          <a:p>
+            <a:r>
+              <a:rPr lang="en-US"/>
+              <a:t>Click to edit Master title style</a:t>
+            </a:r>
+            <a:endParaRPr lang="en-US" dirty="0"/>
+          </a:p>
+        </p:txBody>
+      </p:sp>
+      <p:sp>
+        <p:nvSpPr>
+          <p:cNvPr id="3" name="Subtitle 2"/>
+          <p:cNvSpPr>
+            <a:spLocks noGrp="1"/>
+          </p:cNvSpPr>
+          <p:nvPr>
+            <p:ph type="subTitle" idx="1"/>
+          </p:nvPr>
+        </p:nvSpPr>
         <p:spPr>
           <a:xfrm>
-            <a:off x="1524000" y="1122363"/>
-            <a:ext cx="9144000" cy="2387600"/>
+            <a:off x="2695194" y="4352544"/>
+            <a:ext cx="6801612" cy="1239894"/>
           </a:xfrm>
+          <a:noFill/>
         </p:spPr>
         <p:txBody>
-          <a:bodyPr anchor="b"/>
-          <a:lstStyle>
-            <a:lvl1pPr algn="ctr">
-              <a:defRPr sz="6000"/>
-            </a:lvl1pPr>
-          </a:lstStyle>
-          <a:p>
-            <a:r>
-              <a:rPr lang="en-US" smtClean="0"/>
-              <a:t>Click to edit Master title style</a:t>
-            </a:r>
-            <a:endParaRPr lang="en-US"/>
-          </a:p>
-        </p:txBody>
-      </p:sp>
-      <p:sp>
-        <p:nvSpPr>
-          <p:cNvPr id="3" name="Subtitle 2"/>
-          <p:cNvSpPr>
-            <a:spLocks noGrp="1"/>
-          </p:cNvSpPr>
-          <p:nvPr>
-            <p:ph type="subTitle" idx="1"/>
-          </p:nvPr>
-        </p:nvSpPr>
-        <p:spPr>
-          <a:xfrm>
-            <a:off x="1524000" y="3602038"/>
-            <a:ext cx="9144000" cy="1655762"/>
-          </a:xfrm>
-        </p:spPr>
-        <p:txBody>
-          <a:bodyPr/>
+          <a:bodyPr>
+            <a:normAutofit/>
+          </a:bodyPr>
           <a:lstStyle>
             <a:lvl1pPr marL="0" indent="0" algn="ctr">
               <a:buNone/>
-              <a:defRPr sz="2400"/>
+              <a:defRPr sz="2000">
+                <a:solidFill>
+                  <a:schemeClr val="tx1">
+                    <a:lumMod val="75000"/>
+                    <a:lumOff val="25000"/>
+                  </a:schemeClr>
+                </a:solidFill>
+              </a:defRPr>
             </a:lvl1pPr>
             <a:lvl2pPr marL="457200" indent="0" algn="ctr">
               <a:buNone/>
@@ -226,16 +258,16 @@
           </a:lstStyle>
           <a:p>
             <a:r>
-              <a:rPr lang="en-US" smtClean="0"/>
+              <a:rPr lang="en-US"/>
               <a:t>Click to edit Master subtitle style</a:t>
             </a:r>
-            <a:endParaRPr lang="en-US"/>
-          </a:p>
-        </p:txBody>
-      </p:sp>
-      <p:sp>
-        <p:nvSpPr>
-          <p:cNvPr id="4" name="Date Placeholder 3"/>
+            <a:endParaRPr lang="en-US" dirty="0"/>
+          </a:p>
+        </p:txBody>
+      </p:sp>
+      <p:sp>
+        <p:nvSpPr>
+          <p:cNvPr id="7" name="Date Placeholder 6"/>
           <p:cNvSpPr>
             <a:spLocks noGrp="1"/>
           </p:cNvSpPr>
@@ -250,7 +282,7 @@
           <a:p>
             <a:fld id="{2B0A5030-1C0E-44AA-B0D4-0821B95E4F3C}" type="datetimeFigureOut">
               <a:rPr lang="en-US" smtClean="0"/>
-              <a:t>4/14/2016</a:t>
+              <a:t>3/6/2018</a:t>
             </a:fld>
             <a:endParaRPr lang="en-US"/>
           </a:p>
@@ -258,7 +290,7 @@
       </p:sp>
       <p:sp>
         <p:nvSpPr>
-          <p:cNvPr id="5" name="Footer Placeholder 4"/>
+          <p:cNvPr id="8" name="Footer Placeholder 7"/>
           <p:cNvSpPr>
             <a:spLocks noGrp="1"/>
           </p:cNvSpPr>
@@ -277,7 +309,7 @@
       </p:sp>
       <p:sp>
         <p:nvSpPr>
-          <p:cNvPr id="6" name="Slide Number Placeholder 5"/>
+          <p:cNvPr id="9" name="Slide Number Placeholder 8"/>
           <p:cNvSpPr>
             <a:spLocks noGrp="1"/>
           </p:cNvSpPr>
@@ -301,12 +333,12 @@
     </p:spTree>
     <p:extLst>
       <p:ext uri="{BB962C8B-B14F-4D97-AF65-F5344CB8AC3E}">
-        <p14:creationId xmlns:p14="http://schemas.microsoft.com/office/powerpoint/2010/main" val="1889427490"/>
+        <p14:creationId xmlns:p14="http://schemas.microsoft.com/office/powerpoint/2010/main" val="222597065"/>
       </p:ext>
     </p:extLst>
   </p:cSld>
   <p:clrMapOvr>
-    <a:masterClrMapping/>
+    <a:overrideClrMapping bg1="dk1" tx1="lt1" bg2="dk2" tx2="lt2" accent1="accent1" accent2="accent2" accent3="accent3" accent4="accent4" accent5="accent5" accent6="accent6" hlink="hlink" folHlink="folHlink"/>
   </p:clrMapOvr>
 </p:sldLayout>
 </file>
@@ -344,10 +376,10 @@
           <a:lstStyle/>
           <a:p>
             <a:r>
-              <a:rPr lang="en-US" smtClean="0"/>
+              <a:rPr lang="en-US"/>
               <a:t>Click to edit Master title style</a:t>
             </a:r>
-            <a:endParaRPr lang="en-US"/>
+            <a:endParaRPr lang="en-US" dirty="0"/>
           </a:p>
         </p:txBody>
       </p:sp>
@@ -368,38 +400,38 @@
           <a:p>
             <a:pPr lvl="0"/>
             <a:r>
-              <a:rPr lang="en-US" smtClean="0"/>
-              <a:t>Click to edit Master text styles</a:t>
+              <a:rPr lang="en-US"/>
+              <a:t>Edit Master text styles</a:t>
             </a:r>
           </a:p>
           <a:p>
             <a:pPr lvl="1"/>
             <a:r>
-              <a:rPr lang="en-US" smtClean="0"/>
+              <a:rPr lang="en-US"/>
               <a:t>Second level</a:t>
             </a:r>
           </a:p>
           <a:p>
             <a:pPr lvl="2"/>
             <a:r>
-              <a:rPr lang="en-US" smtClean="0"/>
+              <a:rPr lang="en-US"/>
               <a:t>Third level</a:t>
             </a:r>
           </a:p>
           <a:p>
             <a:pPr lvl="3"/>
             <a:r>
-              <a:rPr lang="en-US" smtClean="0"/>
+              <a:rPr lang="en-US"/>
               <a:t>Fourth level</a:t>
             </a:r>
           </a:p>
           <a:p>
             <a:pPr lvl="4"/>
             <a:r>
-              <a:rPr lang="en-US" smtClean="0"/>
+              <a:rPr lang="en-US"/>
               <a:t>Fifth level</a:t>
             </a:r>
-            <a:endParaRPr lang="en-US"/>
+            <a:endParaRPr lang="en-US" dirty="0"/>
           </a:p>
         </p:txBody>
       </p:sp>
@@ -420,7 +452,7 @@
           <a:p>
             <a:fld id="{2B0A5030-1C0E-44AA-B0D4-0821B95E4F3C}" type="datetimeFigureOut">
               <a:rPr lang="en-US" smtClean="0"/>
-              <a:t>4/14/2016</a:t>
+              <a:t>3/6/2018</a:t>
             </a:fld>
             <a:endParaRPr lang="en-US"/>
           </a:p>
@@ -471,7 +503,7 @@
     </p:spTree>
     <p:extLst>
       <p:ext uri="{BB962C8B-B14F-4D97-AF65-F5344CB8AC3E}">
-        <p14:creationId xmlns:p14="http://schemas.microsoft.com/office/powerpoint/2010/main" val="3861797065"/>
+        <p14:creationId xmlns:p14="http://schemas.microsoft.com/office/powerpoint/2010/main" val="2265533763"/>
       </p:ext>
     </p:extLst>
   </p:cSld>
@@ -510,8 +542,8 @@
         </p:nvSpPr>
         <p:spPr>
           <a:xfrm>
-            <a:off x="8724900" y="365125"/>
-            <a:ext cx="2628900" cy="5811838"/>
+            <a:off x="8653112" y="937260"/>
+            <a:ext cx="1298608" cy="4983480"/>
           </a:xfrm>
         </p:spPr>
         <p:txBody>
@@ -519,10 +551,10 @@
           <a:lstStyle/>
           <a:p>
             <a:r>
-              <a:rPr lang="en-US" smtClean="0"/>
+              <a:rPr lang="en-US"/>
               <a:t>Click to edit Master title style</a:t>
             </a:r>
-            <a:endParaRPr lang="en-US"/>
+            <a:endParaRPr lang="en-US" dirty="0"/>
           </a:p>
         </p:txBody>
       </p:sp>
@@ -538,8 +570,8 @@
         </p:nvSpPr>
         <p:spPr>
           <a:xfrm>
-            <a:off x="838200" y="365125"/>
-            <a:ext cx="7734300" cy="5811838"/>
+            <a:off x="2231136" y="937260"/>
+            <a:ext cx="6198489" cy="4983480"/>
           </a:xfrm>
         </p:spPr>
         <p:txBody>
@@ -548,38 +580,38 @@
           <a:p>
             <a:pPr lvl="0"/>
             <a:r>
-              <a:rPr lang="en-US" smtClean="0"/>
-              <a:t>Click to edit Master text styles</a:t>
+              <a:rPr lang="en-US"/>
+              <a:t>Edit Master text styles</a:t>
             </a:r>
           </a:p>
           <a:p>
             <a:pPr lvl="1"/>
             <a:r>
-              <a:rPr lang="en-US" smtClean="0"/>
+              <a:rPr lang="en-US"/>
               <a:t>Second level</a:t>
             </a:r>
           </a:p>
           <a:p>
             <a:pPr lvl="2"/>
             <a:r>
-              <a:rPr lang="en-US" smtClean="0"/>
+              <a:rPr lang="en-US"/>
               <a:t>Third level</a:t>
             </a:r>
           </a:p>
           <a:p>
             <a:pPr lvl="3"/>
             <a:r>
-              <a:rPr lang="en-US" smtClean="0"/>
+              <a:rPr lang="en-US"/>
               <a:t>Fourth level</a:t>
             </a:r>
           </a:p>
           <a:p>
             <a:pPr lvl="4"/>
             <a:r>
-              <a:rPr lang="en-US" smtClean="0"/>
+              <a:rPr lang="en-US"/>
               <a:t>Fifth level</a:t>
             </a:r>
-            <a:endParaRPr lang="en-US"/>
+            <a:endParaRPr lang="en-US" dirty="0"/>
           </a:p>
         </p:txBody>
       </p:sp>
@@ -600,7 +632,7 @@
           <a:p>
             <a:fld id="{2B0A5030-1C0E-44AA-B0D4-0821B95E4F3C}" type="datetimeFigureOut">
               <a:rPr lang="en-US" smtClean="0"/>
-              <a:t>4/14/2016</a:t>
+              <a:t>3/6/2018</a:t>
             </a:fld>
             <a:endParaRPr lang="en-US"/>
           </a:p>
@@ -651,7 +683,7 @@
     </p:spTree>
     <p:extLst>
       <p:ext uri="{BB962C8B-B14F-4D97-AF65-F5344CB8AC3E}">
-        <p14:creationId xmlns:p14="http://schemas.microsoft.com/office/powerpoint/2010/main" val="3110995741"/>
+        <p14:creationId xmlns:p14="http://schemas.microsoft.com/office/powerpoint/2010/main" val="2608942544"/>
       </p:ext>
     </p:extLst>
   </p:cSld>
@@ -694,10 +726,10 @@
           <a:lstStyle/>
           <a:p>
             <a:r>
-              <a:rPr lang="en-US" smtClean="0"/>
+              <a:rPr lang="en-US"/>
               <a:t>Click to edit Master title style</a:t>
             </a:r>
-            <a:endParaRPr lang="en-US"/>
+            <a:endParaRPr lang="en-US" dirty="0"/>
           </a:p>
         </p:txBody>
       </p:sp>
@@ -718,44 +750,44 @@
           <a:p>
             <a:pPr lvl="0"/>
             <a:r>
-              <a:rPr lang="en-US" smtClean="0"/>
-              <a:t>Click to edit Master text styles</a:t>
+              <a:rPr lang="en-US"/>
+              <a:t>Edit Master text styles</a:t>
             </a:r>
           </a:p>
           <a:p>
             <a:pPr lvl="1"/>
             <a:r>
-              <a:rPr lang="en-US" smtClean="0"/>
+              <a:rPr lang="en-US"/>
               <a:t>Second level</a:t>
             </a:r>
           </a:p>
           <a:p>
             <a:pPr lvl="2"/>
             <a:r>
-              <a:rPr lang="en-US" smtClean="0"/>
+              <a:rPr lang="en-US"/>
               <a:t>Third level</a:t>
             </a:r>
           </a:p>
           <a:p>
             <a:pPr lvl="3"/>
             <a:r>
-              <a:rPr lang="en-US" smtClean="0"/>
+              <a:rPr lang="en-US"/>
               <a:t>Fourth level</a:t>
             </a:r>
           </a:p>
           <a:p>
             <a:pPr lvl="4"/>
             <a:r>
-              <a:rPr lang="en-US" smtClean="0"/>
+              <a:rPr lang="en-US"/>
               <a:t>Fifth level</a:t>
             </a:r>
-            <a:endParaRPr lang="en-US"/>
-          </a:p>
-        </p:txBody>
-      </p:sp>
-      <p:sp>
-        <p:nvSpPr>
-          <p:cNvPr id="4" name="Date Placeholder 3"/>
+            <a:endParaRPr lang="en-US" dirty="0"/>
+          </a:p>
+        </p:txBody>
+      </p:sp>
+      <p:sp>
+        <p:nvSpPr>
+          <p:cNvPr id="7" name="Date Placeholder 6"/>
           <p:cNvSpPr>
             <a:spLocks noGrp="1"/>
           </p:cNvSpPr>
@@ -770,7 +802,7 @@
           <a:p>
             <a:fld id="{2B0A5030-1C0E-44AA-B0D4-0821B95E4F3C}" type="datetimeFigureOut">
               <a:rPr lang="en-US" smtClean="0"/>
-              <a:t>4/14/2016</a:t>
+              <a:t>3/6/2018</a:t>
             </a:fld>
             <a:endParaRPr lang="en-US"/>
           </a:p>
@@ -778,7 +810,7 @@
       </p:sp>
       <p:sp>
         <p:nvSpPr>
-          <p:cNvPr id="5" name="Footer Placeholder 4"/>
+          <p:cNvPr id="8" name="Footer Placeholder 7"/>
           <p:cNvSpPr>
             <a:spLocks noGrp="1"/>
           </p:cNvSpPr>
@@ -797,7 +829,7 @@
       </p:sp>
       <p:sp>
         <p:nvSpPr>
-          <p:cNvPr id="6" name="Slide Number Placeholder 5"/>
+          <p:cNvPr id="9" name="Slide Number Placeholder 8"/>
           <p:cNvSpPr>
             <a:spLocks noGrp="1"/>
           </p:cNvSpPr>
@@ -821,7 +853,7 @@
     </p:spTree>
     <p:extLst>
       <p:ext uri="{BB962C8B-B14F-4D97-AF65-F5344CB8AC3E}">
-        <p14:creationId xmlns:p14="http://schemas.microsoft.com/office/powerpoint/2010/main" val="3074552931"/>
+        <p14:creationId xmlns:p14="http://schemas.microsoft.com/office/powerpoint/2010/main" val="585484811"/>
       </p:ext>
     </p:extLst>
   </p:cSld>
@@ -834,6 +866,14 @@
 <file path=ppt/slideLayouts/slideLayout3.xml><?xml version="1.0" encoding="utf-8"?>
 <p:sldLayout xmlns:a="http://schemas.openxmlformats.org/drawingml/2006/main" xmlns:r="http://schemas.openxmlformats.org/officeDocument/2006/relationships" xmlns:p="http://schemas.openxmlformats.org/presentationml/2006/main" type="secHead" preserve="1">
   <p:cSld name="Section Header">
+    <p:bg>
+      <p:bgPr>
+        <a:solidFill>
+          <a:schemeClr val="accent1"/>
+        </a:solidFill>
+        <a:effectLst/>
+      </p:bgPr>
+    </p:bg>
     <p:spTree>
       <p:nvGrpSpPr>
         <p:cNvPr id="1" name=""/>
@@ -858,54 +898,68 @@
             <p:ph type="title"/>
           </p:nvPr>
         </p:nvSpPr>
+        <p:spPr bwMode="blackWhite">
+          <a:xfrm>
+            <a:off x="1600200" y="2386744"/>
+            <a:ext cx="8991600" cy="1645920"/>
+          </a:xfrm>
+          <a:solidFill>
+            <a:srgbClr val="FFFFFF"/>
+          </a:solidFill>
+          <a:ln w="38100">
+            <a:solidFill>
+              <a:srgbClr val="404040"/>
+            </a:solidFill>
+          </a:ln>
+        </p:spPr>
+        <p:txBody>
+          <a:bodyPr lIns="274320" rIns="274320" anchor="ctr" anchorCtr="1">
+            <a:normAutofit/>
+          </a:bodyPr>
+          <a:lstStyle>
+            <a:lvl1pPr>
+              <a:defRPr sz="3800">
+                <a:solidFill>
+                  <a:srgbClr val="262626"/>
+                </a:solidFill>
+              </a:defRPr>
+            </a:lvl1pPr>
+          </a:lstStyle>
+          <a:p>
+            <a:r>
+              <a:rPr lang="en-US"/>
+              <a:t>Click to edit Master title style</a:t>
+            </a:r>
+            <a:endParaRPr lang="en-US" dirty="0"/>
+          </a:p>
+        </p:txBody>
+      </p:sp>
+      <p:sp>
+        <p:nvSpPr>
+          <p:cNvPr id="3" name="Text Placeholder 2"/>
+          <p:cNvSpPr>
+            <a:spLocks noGrp="1"/>
+          </p:cNvSpPr>
+          <p:nvPr>
+            <p:ph type="body" idx="1"/>
+          </p:nvPr>
+        </p:nvSpPr>
         <p:spPr>
           <a:xfrm>
-            <a:off x="831850" y="1709738"/>
-            <a:ext cx="10515600" cy="2852737"/>
+            <a:off x="2695194" y="4352465"/>
+            <a:ext cx="6801612" cy="1265082"/>
           </a:xfrm>
         </p:spPr>
         <p:txBody>
-          <a:bodyPr anchor="b"/>
-          <a:lstStyle>
-            <a:lvl1pPr>
-              <a:defRPr sz="6000"/>
-            </a:lvl1pPr>
-          </a:lstStyle>
-          <a:p>
-            <a:r>
-              <a:rPr lang="en-US" smtClean="0"/>
-              <a:t>Click to edit Master title style</a:t>
-            </a:r>
-            <a:endParaRPr lang="en-US"/>
-          </a:p>
-        </p:txBody>
-      </p:sp>
-      <p:sp>
-        <p:nvSpPr>
-          <p:cNvPr id="3" name="Text Placeholder 2"/>
-          <p:cNvSpPr>
-            <a:spLocks noGrp="1"/>
-          </p:cNvSpPr>
-          <p:nvPr>
-            <p:ph type="body" idx="1"/>
-          </p:nvPr>
-        </p:nvSpPr>
-        <p:spPr>
-          <a:xfrm>
-            <a:off x="831850" y="4589463"/>
-            <a:ext cx="10515600" cy="1500187"/>
-          </a:xfrm>
-        </p:spPr>
-        <p:txBody>
-          <a:bodyPr/>
+          <a:bodyPr anchor="t" anchorCtr="1">
+            <a:normAutofit/>
+          </a:bodyPr>
           <a:lstStyle>
             <a:lvl1pPr marL="0" indent="0">
               <a:buNone/>
-              <a:defRPr sz="2400">
+              <a:defRPr sz="2000">
                 <a:solidFill>
-                  <a:schemeClr val="tx1">
-                    <a:tint val="75000"/>
-                  </a:schemeClr>
+                  <a:schemeClr val="tx1"/>
                 </a:solidFill>
               </a:defRPr>
             </a:lvl1pPr>
@@ -993,15 +1047,15 @@
           <a:p>
             <a:pPr lvl="0"/>
             <a:r>
-              <a:rPr lang="en-US" smtClean="0"/>
-              <a:t>Click to edit Master text styles</a:t>
-            </a:r>
-          </a:p>
-        </p:txBody>
-      </p:sp>
-      <p:sp>
-        <p:nvSpPr>
-          <p:cNvPr id="4" name="Date Placeholder 3"/>
+              <a:rPr lang="en-US"/>
+              <a:t>Edit Master text styles</a:t>
+            </a:r>
+          </a:p>
+        </p:txBody>
+      </p:sp>
+      <p:sp>
+        <p:nvSpPr>
+          <p:cNvPr id="7" name="Date Placeholder 6"/>
           <p:cNvSpPr>
             <a:spLocks noGrp="1"/>
           </p:cNvSpPr>
@@ -1016,7 +1070,7 @@
           <a:p>
             <a:fld id="{2B0A5030-1C0E-44AA-B0D4-0821B95E4F3C}" type="datetimeFigureOut">
               <a:rPr lang="en-US" smtClean="0"/>
-              <a:t>4/14/2016</a:t>
+              <a:t>3/6/2018</a:t>
             </a:fld>
             <a:endParaRPr lang="en-US"/>
           </a:p>
@@ -1024,7 +1078,7 @@
       </p:sp>
       <p:sp>
         <p:nvSpPr>
-          <p:cNvPr id="5" name="Footer Placeholder 4"/>
+          <p:cNvPr id="8" name="Footer Placeholder 7"/>
           <p:cNvSpPr>
             <a:spLocks noGrp="1"/>
           </p:cNvSpPr>
@@ -1043,7 +1097,7 @@
       </p:sp>
       <p:sp>
         <p:nvSpPr>
-          <p:cNvPr id="6" name="Slide Number Placeholder 5"/>
+          <p:cNvPr id="9" name="Slide Number Placeholder 8"/>
           <p:cNvSpPr>
             <a:spLocks noGrp="1"/>
           </p:cNvSpPr>
@@ -1067,12 +1121,12 @@
     </p:spTree>
     <p:extLst>
       <p:ext uri="{BB962C8B-B14F-4D97-AF65-F5344CB8AC3E}">
-        <p14:creationId xmlns:p14="http://schemas.microsoft.com/office/powerpoint/2010/main" val="2095538213"/>
+        <p14:creationId xmlns:p14="http://schemas.microsoft.com/office/powerpoint/2010/main" val="1425691503"/>
       </p:ext>
     </p:extLst>
   </p:cSld>
   <p:clrMapOvr>
-    <a:masterClrMapping/>
+    <a:overrideClrMapping bg1="dk1" tx1="lt1" bg2="dk2" tx2="lt2" accent1="accent1" accent2="accent2" accent3="accent3" accent4="accent4" accent5="accent5" accent6="accent6" hlink="hlink" folHlink="folHlink"/>
   </p:clrMapOvr>
 </p:sldLayout>
 </file>
@@ -1110,10 +1164,10 @@
           <a:lstStyle/>
           <a:p>
             <a:r>
-              <a:rPr lang="en-US" smtClean="0"/>
+              <a:rPr lang="en-US"/>
               <a:t>Click to edit Master title style</a:t>
             </a:r>
-            <a:endParaRPr lang="en-US"/>
+            <a:endParaRPr lang="en-US" dirty="0"/>
           </a:p>
         </p:txBody>
       </p:sp>
@@ -1129,8 +1183,8 @@
         </p:nvSpPr>
         <p:spPr>
           <a:xfrm>
-            <a:off x="838200" y="1825625"/>
-            <a:ext cx="5181600" cy="4351338"/>
+            <a:off x="1581912" y="2638044"/>
+            <a:ext cx="4271771" cy="3101982"/>
           </a:xfrm>
         </p:spPr>
         <p:txBody>
@@ -1139,38 +1193,38 @@
           <a:p>
             <a:pPr lvl="0"/>
             <a:r>
-              <a:rPr lang="en-US" smtClean="0"/>
-              <a:t>Click to edit Master text styles</a:t>
+              <a:rPr lang="en-US"/>
+              <a:t>Edit Master text styles</a:t>
             </a:r>
           </a:p>
           <a:p>
             <a:pPr lvl="1"/>
             <a:r>
-              <a:rPr lang="en-US" smtClean="0"/>
+              <a:rPr lang="en-US"/>
               <a:t>Second level</a:t>
             </a:r>
           </a:p>
           <a:p>
             <a:pPr lvl="2"/>
             <a:r>
-              <a:rPr lang="en-US" smtClean="0"/>
+              <a:rPr lang="en-US"/>
               <a:t>Third level</a:t>
             </a:r>
           </a:p>
           <a:p>
             <a:pPr lvl="3"/>
             <a:r>
-              <a:rPr lang="en-US" smtClean="0"/>
+              <a:rPr lang="en-US"/>
               <a:t>Fourth level</a:t>
             </a:r>
           </a:p>
           <a:p>
             <a:pPr lvl="4"/>
             <a:r>
-              <a:rPr lang="en-US" smtClean="0"/>
+              <a:rPr lang="en-US"/>
               <a:t>Fifth level</a:t>
             </a:r>
-            <a:endParaRPr lang="en-US"/>
+            <a:endParaRPr lang="en-US" dirty="0"/>
           </a:p>
         </p:txBody>
       </p:sp>
@@ -1186,8 +1240,8 @@
         </p:nvSpPr>
         <p:spPr>
           <a:xfrm>
-            <a:off x="6172200" y="1825625"/>
-            <a:ext cx="5181600" cy="4351338"/>
+            <a:off x="6338315" y="2638044"/>
+            <a:ext cx="4270247" cy="3101982"/>
           </a:xfrm>
         </p:spPr>
         <p:txBody>
@@ -1196,44 +1250,44 @@
           <a:p>
             <a:pPr lvl="0"/>
             <a:r>
-              <a:rPr lang="en-US" smtClean="0"/>
-              <a:t>Click to edit Master text styles</a:t>
+              <a:rPr lang="en-US"/>
+              <a:t>Edit Master text styles</a:t>
             </a:r>
           </a:p>
           <a:p>
             <a:pPr lvl="1"/>
             <a:r>
-              <a:rPr lang="en-US" smtClean="0"/>
+              <a:rPr lang="en-US"/>
               <a:t>Second level</a:t>
             </a:r>
           </a:p>
           <a:p>
             <a:pPr lvl="2"/>
             <a:r>
-              <a:rPr lang="en-US" smtClean="0"/>
+              <a:rPr lang="en-US"/>
               <a:t>Third level</a:t>
             </a:r>
           </a:p>
           <a:p>
             <a:pPr lvl="3"/>
             <a:r>
-              <a:rPr lang="en-US" smtClean="0"/>
+              <a:rPr lang="en-US"/>
               <a:t>Fourth level</a:t>
             </a:r>
           </a:p>
           <a:p>
             <a:pPr lvl="4"/>
             <a:r>
-              <a:rPr lang="en-US" smtClean="0"/>
+              <a:rPr lang="en-US"/>
               <a:t>Fifth level</a:t>
             </a:r>
-            <a:endParaRPr lang="en-US"/>
-          </a:p>
-        </p:txBody>
-      </p:sp>
-      <p:sp>
-        <p:nvSpPr>
-          <p:cNvPr id="5" name="Date Placeholder 4"/>
+            <a:endParaRPr lang="en-US" dirty="0"/>
+          </a:p>
+        </p:txBody>
+      </p:sp>
+      <p:sp>
+        <p:nvSpPr>
+          <p:cNvPr id="8" name="Date Placeholder 7"/>
           <p:cNvSpPr>
             <a:spLocks noGrp="1"/>
           </p:cNvSpPr>
@@ -1248,7 +1302,7 @@
           <a:p>
             <a:fld id="{2B0A5030-1C0E-44AA-B0D4-0821B95E4F3C}" type="datetimeFigureOut">
               <a:rPr lang="en-US" smtClean="0"/>
-              <a:t>4/14/2016</a:t>
+              <a:t>3/6/2018</a:t>
             </a:fld>
             <a:endParaRPr lang="en-US"/>
           </a:p>
@@ -1256,7 +1310,7 @@
       </p:sp>
       <p:sp>
         <p:nvSpPr>
-          <p:cNvPr id="6" name="Footer Placeholder 5"/>
+          <p:cNvPr id="9" name="Footer Placeholder 8"/>
           <p:cNvSpPr>
             <a:spLocks noGrp="1"/>
           </p:cNvSpPr>
@@ -1275,7 +1329,7 @@
       </p:sp>
       <p:sp>
         <p:nvSpPr>
-          <p:cNvPr id="7" name="Slide Number Placeholder 6"/>
+          <p:cNvPr id="10" name="Slide Number Placeholder 9"/>
           <p:cNvSpPr>
             <a:spLocks noGrp="1"/>
           </p:cNvSpPr>
@@ -1299,7 +1353,7 @@
     </p:spTree>
     <p:extLst>
       <p:ext uri="{BB962C8B-B14F-4D97-AF65-F5344CB8AC3E}">
-        <p14:creationId xmlns:p14="http://schemas.microsoft.com/office/powerpoint/2010/main" val="4071833418"/>
+        <p14:creationId xmlns:p14="http://schemas.microsoft.com/office/powerpoint/2010/main" val="3896556935"/>
       </p:ext>
     </p:extLst>
   </p:cSld>
@@ -1328,58 +1382,38 @@
       </p:grpSpPr>
       <p:sp>
         <p:nvSpPr>
-          <p:cNvPr id="2" name="Title 1"/>
-          <p:cNvSpPr>
-            <a:spLocks noGrp="1"/>
-          </p:cNvSpPr>
-          <p:nvPr>
-            <p:ph type="title"/>
+          <p:cNvPr id="3" name="Text Placeholder 2"/>
+          <p:cNvSpPr>
+            <a:spLocks noGrp="1"/>
+          </p:cNvSpPr>
+          <p:nvPr>
+            <p:ph type="body" idx="1"/>
           </p:nvPr>
         </p:nvSpPr>
         <p:spPr>
           <a:xfrm>
-            <a:off x="839788" y="365125"/>
-            <a:ext cx="10515600" cy="1325563"/>
+            <a:off x="1583436" y="2313433"/>
+            <a:ext cx="4270248" cy="704087"/>
           </a:xfrm>
         </p:spPr>
         <p:txBody>
-          <a:bodyPr/>
-          <a:lstStyle/>
-          <a:p>
-            <a:r>
-              <a:rPr lang="en-US" smtClean="0"/>
-              <a:t>Click to edit Master title style</a:t>
-            </a:r>
-            <a:endParaRPr lang="en-US"/>
-          </a:p>
-        </p:txBody>
-      </p:sp>
-      <p:sp>
-        <p:nvSpPr>
-          <p:cNvPr id="3" name="Text Placeholder 2"/>
-          <p:cNvSpPr>
-            <a:spLocks noGrp="1"/>
-          </p:cNvSpPr>
-          <p:nvPr>
-            <p:ph type="body" idx="1"/>
-          </p:nvPr>
-        </p:nvSpPr>
-        <p:spPr>
-          <a:xfrm>
-            <a:off x="839788" y="1681163"/>
-            <a:ext cx="5157787" cy="823912"/>
-          </a:xfrm>
-        </p:spPr>
-        <p:txBody>
-          <a:bodyPr anchor="b"/>
+          <a:bodyPr anchor="b" anchorCtr="1">
+            <a:normAutofit/>
+          </a:bodyPr>
           <a:lstStyle>
-            <a:lvl1pPr marL="0" indent="0">
-              <a:buNone/>
-              <a:defRPr sz="2400" b="1"/>
+            <a:lvl1pPr marL="0" indent="0" algn="ctr">
+              <a:buNone/>
+              <a:defRPr sz="1900" b="0" cap="all" spc="100" baseline="0">
+                <a:solidFill>
+                  <a:schemeClr val="accent2">
+                    <a:lumMod val="75000"/>
+                  </a:schemeClr>
+                </a:solidFill>
+              </a:defRPr>
             </a:lvl1pPr>
             <a:lvl2pPr marL="457200" indent="0">
               <a:buNone/>
-              <a:defRPr sz="2000" b="1"/>
+              <a:defRPr sz="1900" b="1"/>
             </a:lvl2pPr>
             <a:lvl3pPr marL="914400" indent="0">
               <a:buNone/>
@@ -1413,8 +1447,8 @@
           <a:p>
             <a:pPr lvl="0"/>
             <a:r>
-              <a:rPr lang="en-US" smtClean="0"/>
-              <a:t>Click to edit Master text styles</a:t>
+              <a:rPr lang="en-US"/>
+              <a:t>Edit Master text styles</a:t>
             </a:r>
           </a:p>
         </p:txBody>
@@ -1431,8 +1465,8 @@
         </p:nvSpPr>
         <p:spPr>
           <a:xfrm>
-            <a:off x="839788" y="2505075"/>
-            <a:ext cx="5157787" cy="3684588"/>
+            <a:off x="1583436" y="3143250"/>
+            <a:ext cx="4270248" cy="2596776"/>
           </a:xfrm>
         </p:spPr>
         <p:txBody>
@@ -1441,67 +1475,136 @@
           <a:p>
             <a:pPr lvl="0"/>
             <a:r>
-              <a:rPr lang="en-US" smtClean="0"/>
-              <a:t>Click to edit Master text styles</a:t>
+              <a:rPr lang="en-US"/>
+              <a:t>Edit Master text styles</a:t>
             </a:r>
           </a:p>
           <a:p>
             <a:pPr lvl="1"/>
             <a:r>
-              <a:rPr lang="en-US" smtClean="0"/>
+              <a:rPr lang="en-US"/>
               <a:t>Second level</a:t>
             </a:r>
           </a:p>
           <a:p>
             <a:pPr lvl="2"/>
             <a:r>
-              <a:rPr lang="en-US" smtClean="0"/>
+              <a:rPr lang="en-US"/>
               <a:t>Third level</a:t>
             </a:r>
           </a:p>
           <a:p>
             <a:pPr lvl="3"/>
             <a:r>
-              <a:rPr lang="en-US" smtClean="0"/>
+              <a:rPr lang="en-US"/>
               <a:t>Fourth level</a:t>
             </a:r>
           </a:p>
           <a:p>
             <a:pPr lvl="4"/>
             <a:r>
-              <a:rPr lang="en-US" smtClean="0"/>
+              <a:rPr lang="en-US"/>
               <a:t>Fifth level</a:t>
             </a:r>
-            <a:endParaRPr lang="en-US"/>
-          </a:p>
-        </p:txBody>
-      </p:sp>
-      <p:sp>
-        <p:nvSpPr>
-          <p:cNvPr id="5" name="Text Placeholder 4"/>
-          <p:cNvSpPr>
-            <a:spLocks noGrp="1"/>
-          </p:cNvSpPr>
-          <p:nvPr>
-            <p:ph type="body" sz="quarter" idx="3"/>
+            <a:endParaRPr lang="en-US" dirty="0"/>
+          </a:p>
+        </p:txBody>
+      </p:sp>
+      <p:sp>
+        <p:nvSpPr>
+          <p:cNvPr id="6" name="Content Placeholder 5"/>
+          <p:cNvSpPr>
+            <a:spLocks noGrp="1"/>
+          </p:cNvSpPr>
+          <p:nvPr>
+            <p:ph sz="quarter" idx="4"/>
           </p:nvPr>
         </p:nvSpPr>
         <p:spPr>
           <a:xfrm>
-            <a:off x="6172200" y="1681163"/>
-            <a:ext cx="5183188" cy="823912"/>
+            <a:off x="6338316" y="3143250"/>
+            <a:ext cx="4253484" cy="2596776"/>
           </a:xfrm>
         </p:spPr>
         <p:txBody>
-          <a:bodyPr anchor="b"/>
+          <a:bodyPr/>
           <a:lstStyle>
-            <a:lvl1pPr marL="0" indent="0">
-              <a:buNone/>
-              <a:defRPr sz="2400" b="1"/>
+            <a:lvl5pPr>
+              <a:defRPr/>
+            </a:lvl5pPr>
+          </a:lstStyle>
+          <a:p>
+            <a:pPr lvl="0"/>
+            <a:r>
+              <a:rPr lang="en-US"/>
+              <a:t>Edit Master text styles</a:t>
+            </a:r>
+          </a:p>
+          <a:p>
+            <a:pPr lvl="1"/>
+            <a:r>
+              <a:rPr lang="en-US"/>
+              <a:t>Second level</a:t>
+            </a:r>
+          </a:p>
+          <a:p>
+            <a:pPr lvl="2"/>
+            <a:r>
+              <a:rPr lang="en-US"/>
+              <a:t>Third level</a:t>
+            </a:r>
+          </a:p>
+          <a:p>
+            <a:pPr lvl="3"/>
+            <a:r>
+              <a:rPr lang="en-US"/>
+              <a:t>Fourth level</a:t>
+            </a:r>
+          </a:p>
+          <a:p>
+            <a:pPr lvl="4"/>
+            <a:r>
+              <a:rPr lang="en-US"/>
+              <a:t>Fifth level</a:t>
+            </a:r>
+            <a:endParaRPr lang="en-US" dirty="0"/>
+          </a:p>
+        </p:txBody>
+      </p:sp>
+      <p:sp>
+        <p:nvSpPr>
+          <p:cNvPr id="11" name="Text Placeholder 4"/>
+          <p:cNvSpPr>
+            <a:spLocks noGrp="1"/>
+          </p:cNvSpPr>
+          <p:nvPr>
+            <p:ph type="body" sz="quarter" idx="13"/>
+          </p:nvPr>
+        </p:nvSpPr>
+        <p:spPr>
+          <a:xfrm>
+            <a:off x="6338316" y="2313433"/>
+            <a:ext cx="4270248" cy="704087"/>
+          </a:xfrm>
+        </p:spPr>
+        <p:txBody>
+          <a:bodyPr anchor="b" anchorCtr="1">
+            <a:normAutofit/>
+          </a:bodyPr>
+          <a:lstStyle>
+            <a:lvl1pPr marL="0" indent="0" algn="ctr">
+              <a:buNone/>
+              <a:defRPr sz="1900" b="0" cap="all" spc="100" baseline="0">
+                <a:solidFill>
+                  <a:schemeClr val="accent2">
+                    <a:lumMod val="75000"/>
+                  </a:schemeClr>
+                </a:solidFill>
+              </a:defRPr>
             </a:lvl1pPr>
             <a:lvl2pPr marL="457200" indent="0">
               <a:buNone/>
-              <a:defRPr sz="2000" b="1"/>
+              <a:defRPr sz="1900" b="1"/>
             </a:lvl2pPr>
             <a:lvl3pPr marL="914400" indent="0">
               <a:buNone/>
@@ -1535,66 +1638,9 @@
           <a:p>
             <a:pPr lvl="0"/>
             <a:r>
-              <a:rPr lang="en-US" smtClean="0"/>
-              <a:t>Click to edit Master text styles</a:t>
-            </a:r>
-          </a:p>
-        </p:txBody>
-      </p:sp>
-      <p:sp>
-        <p:nvSpPr>
-          <p:cNvPr id="6" name="Content Placeholder 5"/>
-          <p:cNvSpPr>
-            <a:spLocks noGrp="1"/>
-          </p:cNvSpPr>
-          <p:nvPr>
-            <p:ph sz="quarter" idx="4"/>
-          </p:nvPr>
-        </p:nvSpPr>
-        <p:spPr>
-          <a:xfrm>
-            <a:off x="6172200" y="2505075"/>
-            <a:ext cx="5183188" cy="3684588"/>
-          </a:xfrm>
-        </p:spPr>
-        <p:txBody>
-          <a:bodyPr/>
-          <a:lstStyle/>
-          <a:p>
-            <a:pPr lvl="0"/>
-            <a:r>
-              <a:rPr lang="en-US" smtClean="0"/>
-              <a:t>Click to edit Master text styles</a:t>
-            </a:r>
-          </a:p>
-          <a:p>
-            <a:pPr lvl="1"/>
-            <a:r>
-              <a:rPr lang="en-US" smtClean="0"/>
-              <a:t>Second level</a:t>
-            </a:r>
-          </a:p>
-          <a:p>
-            <a:pPr lvl="2"/>
-            <a:r>
-              <a:rPr lang="en-US" smtClean="0"/>
-              <a:t>Third level</a:t>
-            </a:r>
-          </a:p>
-          <a:p>
-            <a:pPr lvl="3"/>
-            <a:r>
-              <a:rPr lang="en-US" smtClean="0"/>
-              <a:t>Fourth level</a:t>
-            </a:r>
-          </a:p>
-          <a:p>
-            <a:pPr lvl="4"/>
-            <a:r>
-              <a:rPr lang="en-US" smtClean="0"/>
-              <a:t>Fifth level</a:t>
-            </a:r>
-            <a:endParaRPr lang="en-US"/>
+              <a:rPr lang="en-US"/>
+              <a:t>Edit Master text styles</a:t>
+            </a:r>
           </a:p>
         </p:txBody>
       </p:sp>
@@ -1615,7 +1661,7 @@
           <a:p>
             <a:fld id="{2B0A5030-1C0E-44AA-B0D4-0821B95E4F3C}" type="datetimeFigureOut">
               <a:rPr lang="en-US" smtClean="0"/>
-              <a:t>4/14/2016</a:t>
+              <a:t>3/6/2018</a:t>
             </a:fld>
             <a:endParaRPr lang="en-US"/>
           </a:p>
@@ -1663,10 +1709,33 @@
           </a:p>
         </p:txBody>
       </p:sp>
+      <p:sp>
+        <p:nvSpPr>
+          <p:cNvPr id="10" name="Title 9"/>
+          <p:cNvSpPr>
+            <a:spLocks noGrp="1"/>
+          </p:cNvSpPr>
+          <p:nvPr>
+            <p:ph type="title"/>
+          </p:nvPr>
+        </p:nvSpPr>
+        <p:spPr/>
+        <p:txBody>
+          <a:bodyPr/>
+          <a:lstStyle/>
+          <a:p>
+            <a:r>
+              <a:rPr lang="en-US"/>
+              <a:t>Click to edit Master title style</a:t>
+            </a:r>
+            <a:endParaRPr lang="en-US" dirty="0"/>
+          </a:p>
+        </p:txBody>
+      </p:sp>
     </p:spTree>
     <p:extLst>
       <p:ext uri="{BB962C8B-B14F-4D97-AF65-F5344CB8AC3E}">
-        <p14:creationId xmlns:p14="http://schemas.microsoft.com/office/powerpoint/2010/main" val="3967541620"/>
+        <p14:creationId xmlns:p14="http://schemas.microsoft.com/office/powerpoint/2010/main" val="4260908909"/>
       </p:ext>
     </p:extLst>
   </p:cSld>
@@ -1709,10 +1778,10 @@
           <a:lstStyle/>
           <a:p>
             <a:r>
-              <a:rPr lang="en-US" smtClean="0"/>
+              <a:rPr lang="en-US"/>
               <a:t>Click to edit Master title style</a:t>
             </a:r>
-            <a:endParaRPr lang="en-US"/>
+            <a:endParaRPr lang="en-US" dirty="0"/>
           </a:p>
         </p:txBody>
       </p:sp>
@@ -1733,7 +1802,7 @@
           <a:p>
             <a:fld id="{2B0A5030-1C0E-44AA-B0D4-0821B95E4F3C}" type="datetimeFigureOut">
               <a:rPr lang="en-US" smtClean="0"/>
-              <a:t>4/14/2016</a:t>
+              <a:t>3/6/2018</a:t>
             </a:fld>
             <a:endParaRPr lang="en-US"/>
           </a:p>
@@ -1784,7 +1853,7 @@
     </p:spTree>
     <p:extLst>
       <p:ext uri="{BB962C8B-B14F-4D97-AF65-F5344CB8AC3E}">
-        <p14:creationId xmlns:p14="http://schemas.microsoft.com/office/powerpoint/2010/main" val="3801350669"/>
+        <p14:creationId xmlns:p14="http://schemas.microsoft.com/office/powerpoint/2010/main" val="2947195575"/>
       </p:ext>
     </p:extLst>
   </p:cSld>
@@ -1828,7 +1897,7 @@
           <a:p>
             <a:fld id="{2B0A5030-1C0E-44AA-B0D4-0821B95E4F3C}" type="datetimeFigureOut">
               <a:rPr lang="en-US" smtClean="0"/>
-              <a:t>4/14/2016</a:t>
+              <a:t>3/6/2018</a:t>
             </a:fld>
             <a:endParaRPr lang="en-US"/>
           </a:p>
@@ -1879,7 +1948,7 @@
     </p:spTree>
     <p:extLst>
       <p:ext uri="{BB962C8B-B14F-4D97-AF65-F5344CB8AC3E}">
-        <p14:creationId xmlns:p14="http://schemas.microsoft.com/office/powerpoint/2010/main" val="1519094451"/>
+        <p14:creationId xmlns:p14="http://schemas.microsoft.com/office/powerpoint/2010/main" val="2606264176"/>
       </p:ext>
     </p:extLst>
   </p:cSld>
@@ -1908,143 +1977,223 @@
       </p:grpSpPr>
       <p:sp>
         <p:nvSpPr>
-          <p:cNvPr id="2" name="Title 1"/>
-          <p:cNvSpPr>
-            <a:spLocks noGrp="1"/>
-          </p:cNvSpPr>
-          <p:nvPr>
-            <p:ph type="title"/>
-          </p:nvPr>
+          <p:cNvPr id="26" name="Rectangle 25"/>
+          <p:cNvSpPr/>
+          <p:nvPr/>
         </p:nvSpPr>
         <p:spPr>
           <a:xfrm>
-            <a:off x="839788" y="457200"/>
-            <a:ext cx="3932237" cy="1600200"/>
+            <a:off x="0" y="0"/>
+            <a:ext cx="6096000" cy="6858000"/>
+          </a:xfrm>
+          <a:prstGeom prst="rect">
+            <a:avLst/>
+          </a:prstGeom>
+          <a:solidFill>
+            <a:schemeClr val="accent2"/>
+          </a:solidFill>
+          <a:ln>
+            <a:noFill/>
+          </a:ln>
+        </p:spPr>
+        <p:style>
+          <a:lnRef idx="2">
+            <a:schemeClr val="accent1">
+              <a:shade val="50000"/>
+            </a:schemeClr>
+          </a:lnRef>
+          <a:fillRef idx="1">
+            <a:schemeClr val="accent1"/>
+          </a:fillRef>
+          <a:effectRef idx="0">
+            <a:schemeClr val="accent1"/>
+          </a:effectRef>
+          <a:fontRef idx="minor">
+            <a:schemeClr val="lt1"/>
+          </a:fontRef>
+        </p:style>
+      </p:sp>
+      <p:sp>
+        <p:nvSpPr>
+          <p:cNvPr id="2" name="Title 1"/>
+          <p:cNvSpPr>
+            <a:spLocks noGrp="1"/>
+          </p:cNvSpPr>
+          <p:nvPr>
+            <p:ph type="title"/>
+          </p:nvPr>
+        </p:nvSpPr>
+        <p:spPr bwMode="blackWhite">
+          <a:xfrm>
+            <a:off x="804672" y="2243828"/>
+            <a:ext cx="4486656" cy="1141497"/>
+          </a:xfrm>
+          <a:solidFill>
+            <a:srgbClr val="FFFFFF"/>
+          </a:solidFill>
+          <a:ln>
+            <a:solidFill>
+              <a:srgbClr val="404040"/>
+            </a:solidFill>
+          </a:ln>
+        </p:spPr>
+        <p:txBody>
+          <a:bodyPr anchor="ctr" anchorCtr="1">
+            <a:normAutofit/>
+          </a:bodyPr>
+          <a:lstStyle>
+            <a:lvl1pPr>
+              <a:defRPr sz="2200">
+                <a:solidFill>
+                  <a:srgbClr val="262626"/>
+                </a:solidFill>
+              </a:defRPr>
+            </a:lvl1pPr>
+          </a:lstStyle>
+          <a:p>
+            <a:r>
+              <a:rPr lang="en-US"/>
+              <a:t>Click to edit Master title style</a:t>
+            </a:r>
+            <a:endParaRPr lang="en-US" dirty="0"/>
+          </a:p>
+        </p:txBody>
+      </p:sp>
+      <p:sp>
+        <p:nvSpPr>
+          <p:cNvPr id="3" name="Content Placeholder 2"/>
+          <p:cNvSpPr>
+            <a:spLocks noGrp="1"/>
+          </p:cNvSpPr>
+          <p:nvPr>
+            <p:ph idx="1"/>
+          </p:nvPr>
+        </p:nvSpPr>
+        <p:spPr>
+          <a:xfrm>
+            <a:off x="6736080" y="804672"/>
+            <a:ext cx="4815840" cy="5248656"/>
           </a:xfrm>
         </p:spPr>
         <p:txBody>
-          <a:bodyPr anchor="b"/>
+          <a:bodyPr>
+            <a:normAutofit/>
+          </a:bodyPr>
           <a:lstStyle>
             <a:lvl1pPr>
-              <a:defRPr sz="3200"/>
+              <a:defRPr sz="1900">
+                <a:solidFill>
+                  <a:schemeClr val="tx1"/>
+                </a:solidFill>
+              </a:defRPr>
             </a:lvl1pPr>
+            <a:lvl2pPr>
+              <a:defRPr sz="1600">
+                <a:solidFill>
+                  <a:schemeClr val="tx1"/>
+                </a:solidFill>
+              </a:defRPr>
+            </a:lvl2pPr>
+            <a:lvl3pPr>
+              <a:defRPr sz="1600">
+                <a:solidFill>
+                  <a:schemeClr val="tx1"/>
+                </a:solidFill>
+              </a:defRPr>
+            </a:lvl3pPr>
+            <a:lvl4pPr>
+              <a:defRPr sz="1600">
+                <a:solidFill>
+                  <a:schemeClr val="tx1"/>
+                </a:solidFill>
+              </a:defRPr>
+            </a:lvl4pPr>
+            <a:lvl5pPr>
+              <a:defRPr sz="1600">
+                <a:solidFill>
+                  <a:schemeClr val="tx1"/>
+                </a:solidFill>
+              </a:defRPr>
+            </a:lvl5pPr>
+            <a:lvl6pPr>
+              <a:defRPr sz="1600"/>
+            </a:lvl6pPr>
+            <a:lvl7pPr>
+              <a:defRPr sz="1600"/>
+            </a:lvl7pPr>
+            <a:lvl8pPr>
+              <a:defRPr sz="1600"/>
+            </a:lvl8pPr>
+            <a:lvl9pPr>
+              <a:defRPr sz="1600"/>
+            </a:lvl9pPr>
           </a:lstStyle>
           <a:p>
-            <a:r>
-              <a:rPr lang="en-US" smtClean="0"/>
-              <a:t>Click to edit Master title style</a:t>
-            </a:r>
-            <a:endParaRPr lang="en-US"/>
-          </a:p>
-        </p:txBody>
-      </p:sp>
-      <p:sp>
-        <p:nvSpPr>
-          <p:cNvPr id="3" name="Content Placeholder 2"/>
-          <p:cNvSpPr>
-            <a:spLocks noGrp="1"/>
-          </p:cNvSpPr>
-          <p:nvPr>
-            <p:ph idx="1"/>
+            <a:pPr lvl="0"/>
+            <a:r>
+              <a:rPr lang="en-US"/>
+              <a:t>Edit Master text styles</a:t>
+            </a:r>
+          </a:p>
+          <a:p>
+            <a:pPr lvl="1"/>
+            <a:r>
+              <a:rPr lang="en-US"/>
+              <a:t>Second level</a:t>
+            </a:r>
+          </a:p>
+          <a:p>
+            <a:pPr lvl="2"/>
+            <a:r>
+              <a:rPr lang="en-US"/>
+              <a:t>Third level</a:t>
+            </a:r>
+          </a:p>
+          <a:p>
+            <a:pPr lvl="3"/>
+            <a:r>
+              <a:rPr lang="en-US"/>
+              <a:t>Fourth level</a:t>
+            </a:r>
+          </a:p>
+          <a:p>
+            <a:pPr lvl="4"/>
+            <a:r>
+              <a:rPr lang="en-US"/>
+              <a:t>Fifth level</a:t>
+            </a:r>
+            <a:endParaRPr lang="en-US" dirty="0"/>
+          </a:p>
+        </p:txBody>
+      </p:sp>
+      <p:sp>
+        <p:nvSpPr>
+          <p:cNvPr id="4" name="Text Placeholder 3"/>
+          <p:cNvSpPr>
+            <a:spLocks noGrp="1"/>
+          </p:cNvSpPr>
+          <p:nvPr>
+            <p:ph type="body" sz="half" idx="2"/>
           </p:nvPr>
         </p:nvSpPr>
         <p:spPr>
           <a:xfrm>
-            <a:off x="5183188" y="987425"/>
-            <a:ext cx="6172200" cy="4873625"/>
+            <a:off x="1115568" y="3549918"/>
+            <a:ext cx="3794760" cy="2194036"/>
           </a:xfrm>
         </p:spPr>
         <p:txBody>
-          <a:bodyPr/>
+          <a:bodyPr anchor="t" anchorCtr="1">
+            <a:normAutofit/>
+          </a:bodyPr>
           <a:lstStyle>
-            <a:lvl1pPr>
-              <a:defRPr sz="3200"/>
-            </a:lvl1pPr>
-            <a:lvl2pPr>
-              <a:defRPr sz="2800"/>
-            </a:lvl2pPr>
-            <a:lvl3pPr>
-              <a:defRPr sz="2400"/>
-            </a:lvl3pPr>
-            <a:lvl4pPr>
-              <a:defRPr sz="2000"/>
-            </a:lvl4pPr>
-            <a:lvl5pPr>
-              <a:defRPr sz="2000"/>
-            </a:lvl5pPr>
-            <a:lvl6pPr>
-              <a:defRPr sz="2000"/>
-            </a:lvl6pPr>
-            <a:lvl7pPr>
-              <a:defRPr sz="2000"/>
-            </a:lvl7pPr>
-            <a:lvl8pPr>
-              <a:defRPr sz="2000"/>
-            </a:lvl8pPr>
-            <a:lvl9pPr>
-              <a:defRPr sz="2000"/>
-            </a:lvl9pPr>
-          </a:lstStyle>
-          <a:p>
-            <a:pPr lvl="0"/>
-            <a:r>
-              <a:rPr lang="en-US" smtClean="0"/>
-              <a:t>Click to edit Master text styles</a:t>
-            </a:r>
-          </a:p>
-          <a:p>
-            <a:pPr lvl="1"/>
-            <a:r>
-              <a:rPr lang="en-US" smtClean="0"/>
-              <a:t>Second level</a:t>
-            </a:r>
-          </a:p>
-          <a:p>
-            <a:pPr lvl="2"/>
-            <a:r>
-              <a:rPr lang="en-US" smtClean="0"/>
-              <a:t>Third level</a:t>
-            </a:r>
-          </a:p>
-          <a:p>
-            <a:pPr lvl="3"/>
-            <a:r>
-              <a:rPr lang="en-US" smtClean="0"/>
-              <a:t>Fourth level</a:t>
-            </a:r>
-          </a:p>
-          <a:p>
-            <a:pPr lvl="4"/>
-            <a:r>
-              <a:rPr lang="en-US" smtClean="0"/>
-              <a:t>Fifth level</a:t>
-            </a:r>
-            <a:endParaRPr lang="en-US"/>
-          </a:p>
-        </p:txBody>
-      </p:sp>
-      <p:sp>
-        <p:nvSpPr>
-          <p:cNvPr id="4" name="Text Placeholder 3"/>
-          <p:cNvSpPr>
-            <a:spLocks noGrp="1"/>
-          </p:cNvSpPr>
-          <p:nvPr>
-            <p:ph type="body" sz="half" idx="2"/>
-          </p:nvPr>
-        </p:nvSpPr>
-        <p:spPr>
-          <a:xfrm>
-            <a:off x="839788" y="2057400"/>
-            <a:ext cx="3932237" cy="3811588"/>
-          </a:xfrm>
-        </p:spPr>
-        <p:txBody>
-          <a:bodyPr/>
-          <a:lstStyle>
-            <a:lvl1pPr marL="0" indent="0">
-              <a:buNone/>
-              <a:defRPr sz="1600"/>
+            <a:lvl1pPr marL="0" indent="0" algn="ctr">
+              <a:buNone/>
+              <a:defRPr sz="1500">
+                <a:solidFill>
+                  <a:srgbClr val="FFFFFF"/>
+                </a:solidFill>
+              </a:defRPr>
             </a:lvl1pPr>
             <a:lvl2pPr marL="457200" indent="0">
               <a:buNone/>
@@ -2082,15 +2231,15 @@
           <a:p>
             <a:pPr lvl="0"/>
             <a:r>
-              <a:rPr lang="en-US" smtClean="0"/>
-              <a:t>Click to edit Master text styles</a:t>
-            </a:r>
-          </a:p>
-        </p:txBody>
-      </p:sp>
-      <p:sp>
-        <p:nvSpPr>
-          <p:cNvPr id="5" name="Date Placeholder 4"/>
+              <a:rPr lang="en-US"/>
+              <a:t>Edit Master text styles</a:t>
+            </a:r>
+          </a:p>
+        </p:txBody>
+      </p:sp>
+      <p:sp>
+        <p:nvSpPr>
+          <p:cNvPr id="9" name="Date Placeholder 8"/>
           <p:cNvSpPr>
             <a:spLocks noGrp="1"/>
           </p:cNvSpPr>
@@ -2105,7 +2254,7 @@
           <a:p>
             <a:fld id="{2B0A5030-1C0E-44AA-B0D4-0821B95E4F3C}" type="datetimeFigureOut">
               <a:rPr lang="en-US" smtClean="0"/>
-              <a:t>4/14/2016</a:t>
+              <a:t>3/6/2018</a:t>
             </a:fld>
             <a:endParaRPr lang="en-US"/>
           </a:p>
@@ -2113,7 +2262,7 @@
       </p:sp>
       <p:sp>
         <p:nvSpPr>
-          <p:cNvPr id="6" name="Footer Placeholder 5"/>
+          <p:cNvPr id="10" name="Footer Placeholder 9"/>
           <p:cNvSpPr>
             <a:spLocks noGrp="1"/>
           </p:cNvSpPr>
@@ -2121,10 +2270,25 @@
             <p:ph type="ftr" sz="quarter" idx="11"/>
           </p:nvPr>
         </p:nvSpPr>
-        <p:spPr/>
-        <p:txBody>
-          <a:bodyPr/>
-          <a:lstStyle/>
+        <p:spPr>
+          <a:xfrm>
+            <a:off x="804672" y="6236208"/>
+            <a:ext cx="5124797" cy="320040"/>
+          </a:xfrm>
+        </p:spPr>
+        <p:txBody>
+          <a:bodyPr/>
+          <a:lstStyle>
+            <a:lvl1pPr>
+              <a:defRPr>
+                <a:solidFill>
+                  <a:srgbClr val="FFFFFF">
+                    <a:alpha val="70000"/>
+                  </a:srgbClr>
+                </a:solidFill>
+              </a:defRPr>
+            </a:lvl1pPr>
+          </a:lstStyle>
           <a:p>
             <a:endParaRPr lang="en-US"/>
           </a:p>
@@ -2132,7 +2296,7 @@
       </p:sp>
       <p:sp>
         <p:nvSpPr>
-          <p:cNvPr id="7" name="Slide Number Placeholder 6"/>
+          <p:cNvPr id="11" name="Slide Number Placeholder 10"/>
           <p:cNvSpPr>
             <a:spLocks noGrp="1"/>
           </p:cNvSpPr>
@@ -2156,7 +2320,7 @@
     </p:spTree>
     <p:extLst>
       <p:ext uri="{BB962C8B-B14F-4D97-AF65-F5344CB8AC3E}">
-        <p14:creationId xmlns:p14="http://schemas.microsoft.com/office/powerpoint/2010/main" val="3578621839"/>
+        <p14:creationId xmlns:p14="http://schemas.microsoft.com/office/powerpoint/2010/main" val="802572546"/>
       </p:ext>
     </p:extLst>
   </p:cSld>
@@ -2185,33 +2349,85 @@
       </p:grpSpPr>
       <p:sp>
         <p:nvSpPr>
-          <p:cNvPr id="2" name="Title 1"/>
-          <p:cNvSpPr>
-            <a:spLocks noGrp="1"/>
-          </p:cNvSpPr>
-          <p:nvPr>
-            <p:ph type="title"/>
-          </p:nvPr>
+          <p:cNvPr id="18" name="Rectangle 17"/>
+          <p:cNvSpPr/>
+          <p:nvPr/>
         </p:nvSpPr>
         <p:spPr>
           <a:xfrm>
-            <a:off x="839788" y="457200"/>
-            <a:ext cx="3932237" cy="1600200"/>
+            <a:off x="0" y="0"/>
+            <a:ext cx="6095999" cy="6858000"/>
           </a:xfrm>
+          <a:prstGeom prst="rect">
+            <a:avLst/>
+          </a:prstGeom>
+          <a:solidFill>
+            <a:schemeClr val="accent2"/>
+          </a:solidFill>
+          <a:ln>
+            <a:noFill/>
+          </a:ln>
         </p:spPr>
-        <p:txBody>
-          <a:bodyPr anchor="b"/>
+        <p:style>
+          <a:lnRef idx="2">
+            <a:schemeClr val="accent1">
+              <a:shade val="50000"/>
+            </a:schemeClr>
+          </a:lnRef>
+          <a:fillRef idx="1">
+            <a:schemeClr val="accent1"/>
+          </a:fillRef>
+          <a:effectRef idx="0">
+            <a:schemeClr val="accent1"/>
+          </a:effectRef>
+          <a:fontRef idx="minor">
+            <a:schemeClr val="lt1"/>
+          </a:fontRef>
+        </p:style>
+      </p:sp>
+      <p:sp>
+        <p:nvSpPr>
+          <p:cNvPr id="2" name="Title 1"/>
+          <p:cNvSpPr>
+            <a:spLocks noGrp="1"/>
+          </p:cNvSpPr>
+          <p:nvPr>
+            <p:ph type="title"/>
+          </p:nvPr>
+        </p:nvSpPr>
+        <p:spPr bwMode="blackWhite">
+          <a:xfrm>
+            <a:off x="808523" y="2243828"/>
+            <a:ext cx="4494998" cy="1134640"/>
+          </a:xfrm>
+          <a:solidFill>
+            <a:srgbClr val="FFFFFF"/>
+          </a:solidFill>
+          <a:ln>
+            <a:solidFill>
+              <a:srgbClr val="404040"/>
+            </a:solidFill>
+          </a:ln>
+        </p:spPr>
+        <p:txBody>
+          <a:bodyPr anchor="ctr" anchorCtr="1">
+            <a:noAutofit/>
+          </a:bodyPr>
           <a:lstStyle>
             <a:lvl1pPr>
-              <a:defRPr sz="3200"/>
+              <a:defRPr sz="2200">
+                <a:solidFill>
+                  <a:srgbClr val="262626"/>
+                </a:solidFill>
+              </a:defRPr>
             </a:lvl1pPr>
           </a:lstStyle>
           <a:p>
             <a:r>
-              <a:rPr lang="en-US" smtClean="0"/>
+              <a:rPr lang="en-US"/>
               <a:t>Click to edit Master title style</a:t>
             </a:r>
-            <a:endParaRPr lang="en-US"/>
+            <a:endParaRPr lang="en-US" dirty="0"/>
           </a:p>
         </p:txBody>
       </p:sp>
@@ -2219,7 +2435,7 @@
         <p:nvSpPr>
           <p:cNvPr id="3" name="Picture Placeholder 2"/>
           <p:cNvSpPr>
-            <a:spLocks noGrp="1"/>
+            <a:spLocks noGrp="1" noChangeAspect="1"/>
           </p:cNvSpPr>
           <p:nvPr>
             <p:ph type="pic" idx="1"/>
@@ -2227,16 +2443,28 @@
         </p:nvSpPr>
         <p:spPr>
           <a:xfrm>
-            <a:off x="5183188" y="987425"/>
-            <a:ext cx="6172200" cy="4873625"/>
+            <a:off x="6095999" y="0"/>
+            <a:ext cx="6102097" cy="6858000"/>
           </a:xfrm>
+          <a:solidFill>
+            <a:schemeClr val="bg1">
+              <a:lumMod val="75000"/>
+            </a:schemeClr>
+          </a:solidFill>
         </p:spPr>
         <p:txBody>
-          <a:bodyPr/>
+          <a:bodyPr anchor="t"/>
           <a:lstStyle>
             <a:lvl1pPr marL="0" indent="0">
               <a:buNone/>
-              <a:defRPr sz="3200"/>
+              <a:defRPr sz="3200">
+                <a:solidFill>
+                  <a:schemeClr val="bg1">
+                    <a:lumMod val="85000"/>
+                    <a:lumOff val="15000"/>
+                  </a:schemeClr>
+                </a:solidFill>
+              </a:defRPr>
             </a:lvl1pPr>
             <a:lvl2pPr marL="457200" indent="0">
               <a:buNone/>
@@ -2272,7 +2500,11 @@
             </a:lvl9pPr>
           </a:lstStyle>
           <a:p>
-            <a:endParaRPr lang="en-US"/>
+            <a:r>
+              <a:rPr lang="en-US"/>
+              <a:t>Click icon to add picture</a:t>
+            </a:r>
+            <a:endParaRPr lang="en-US" dirty="0"/>
           </a:p>
         </p:txBody>
       </p:sp>
@@ -2288,16 +2520,22 @@
         </p:nvSpPr>
         <p:spPr>
           <a:xfrm>
-            <a:off x="839788" y="2057400"/>
-            <a:ext cx="3932237" cy="3811588"/>
+            <a:off x="1115568" y="3549918"/>
+            <a:ext cx="3794760" cy="2194037"/>
           </a:xfrm>
         </p:spPr>
         <p:txBody>
-          <a:bodyPr/>
+          <a:bodyPr anchor="t" anchorCtr="1">
+            <a:normAutofit/>
+          </a:bodyPr>
           <a:lstStyle>
-            <a:lvl1pPr marL="0" indent="0">
-              <a:buNone/>
-              <a:defRPr sz="1600"/>
+            <a:lvl1pPr marL="0" indent="0" algn="ctr">
+              <a:buNone/>
+              <a:defRPr sz="1500">
+                <a:solidFill>
+                  <a:srgbClr val="FFFFFF"/>
+                </a:solidFill>
+              </a:defRPr>
             </a:lvl1pPr>
             <a:lvl2pPr marL="457200" indent="0">
               <a:buNone/>
@@ -2335,15 +2573,15 @@
           <a:p>
             <a:pPr lvl="0"/>
             <a:r>
-              <a:rPr lang="en-US" smtClean="0"/>
-              <a:t>Click to edit Master text styles</a:t>
-            </a:r>
-          </a:p>
-        </p:txBody>
-      </p:sp>
-      <p:sp>
-        <p:nvSpPr>
-          <p:cNvPr id="5" name="Date Placeholder 4"/>
+              <a:rPr lang="en-US"/>
+              <a:t>Edit Master text styles</a:t>
+            </a:r>
+          </a:p>
+        </p:txBody>
+      </p:sp>
+      <p:sp>
+        <p:nvSpPr>
+          <p:cNvPr id="8" name="Date Placeholder 7"/>
           <p:cNvSpPr>
             <a:spLocks noGrp="1"/>
           </p:cNvSpPr>
@@ -2354,11 +2592,26 @@
         <p:spPr/>
         <p:txBody>
           <a:bodyPr/>
-          <a:lstStyle/>
+          <a:lstStyle>
+            <a:lvl1pPr>
+              <a:defRPr>
+                <a:solidFill>
+                  <a:srgbClr val="FFFFFF"/>
+                </a:solidFill>
+                <a:effectLst>
+                  <a:outerShdw blurRad="50800" dist="38100" dir="2700000" algn="tl" rotWithShape="0">
+                    <a:prstClr val="black">
+                      <a:alpha val="43000"/>
+                    </a:prstClr>
+                  </a:outerShdw>
+                </a:effectLst>
+              </a:defRPr>
+            </a:lvl1pPr>
+          </a:lstStyle>
           <a:p>
             <a:fld id="{2B0A5030-1C0E-44AA-B0D4-0821B95E4F3C}" type="datetimeFigureOut">
               <a:rPr lang="en-US" smtClean="0"/>
-              <a:t>4/14/2016</a:t>
+              <a:t>3/6/2018</a:t>
             </a:fld>
             <a:endParaRPr lang="en-US"/>
           </a:p>
@@ -2366,7 +2619,7 @@
       </p:sp>
       <p:sp>
         <p:nvSpPr>
-          <p:cNvPr id="6" name="Footer Placeholder 5"/>
+          <p:cNvPr id="9" name="Footer Placeholder 8"/>
           <p:cNvSpPr>
             <a:spLocks noGrp="1"/>
           </p:cNvSpPr>
@@ -2374,10 +2627,25 @@
             <p:ph type="ftr" sz="quarter" idx="11"/>
           </p:nvPr>
         </p:nvSpPr>
-        <p:spPr/>
-        <p:txBody>
-          <a:bodyPr/>
-          <a:lstStyle/>
+        <p:spPr>
+          <a:xfrm>
+            <a:off x="804672" y="6236208"/>
+            <a:ext cx="5124797" cy="320040"/>
+          </a:xfrm>
+        </p:spPr>
+        <p:txBody>
+          <a:bodyPr/>
+          <a:lstStyle>
+            <a:lvl1pPr>
+              <a:defRPr>
+                <a:solidFill>
+                  <a:srgbClr val="FFFFFF">
+                    <a:alpha val="70000"/>
+                  </a:srgbClr>
+                </a:solidFill>
+              </a:defRPr>
+            </a:lvl1pPr>
+          </a:lstStyle>
           <a:p>
             <a:endParaRPr lang="en-US"/>
           </a:p>
@@ -2385,7 +2653,7 @@
       </p:sp>
       <p:sp>
         <p:nvSpPr>
-          <p:cNvPr id="7" name="Slide Number Placeholder 6"/>
+          <p:cNvPr id="10" name="Slide Number Placeholder 9"/>
           <p:cNvSpPr>
             <a:spLocks noGrp="1"/>
           </p:cNvSpPr>
@@ -2409,7 +2677,7 @@
     </p:spTree>
     <p:extLst>
       <p:ext uri="{BB962C8B-B14F-4D97-AF65-F5344CB8AC3E}">
-        <p14:creationId xmlns:p14="http://schemas.microsoft.com/office/powerpoint/2010/main" val="2346265727"/>
+        <p14:creationId xmlns:p14="http://schemas.microsoft.com/office/powerpoint/2010/main" val="2343486534"/>
       </p:ext>
     </p:extLst>
   </p:cSld>
@@ -2423,9 +2691,14 @@
 <p:sldMaster xmlns:a="http://schemas.openxmlformats.org/drawingml/2006/main" xmlns:r="http://schemas.openxmlformats.org/officeDocument/2006/relationships" xmlns:p="http://schemas.openxmlformats.org/presentationml/2006/main">
   <p:cSld>
     <p:bg>
-      <p:bgRef idx="1001">
-        <a:schemeClr val="bg1"/>
-      </p:bgRef>
+      <p:bgPr>
+        <a:solidFill>
+          <a:schemeClr val="bg1">
+            <a:lumMod val="95000"/>
+          </a:schemeClr>
+        </a:solidFill>
+        <a:effectLst/>
+      </p:bgPr>
     </p:bg>
     <p:spTree>
       <p:nvGrpSpPr>
@@ -2451,105 +2724,154 @@
             <p:ph type="title"/>
           </p:nvPr>
         </p:nvSpPr>
+        <p:spPr bwMode="black">
+          <a:xfrm>
+            <a:off x="2231136" y="964692"/>
+            <a:ext cx="7729728" cy="1188720"/>
+          </a:xfrm>
+          <a:prstGeom prst="rect">
+            <a:avLst/>
+          </a:prstGeom>
+          <a:solidFill>
+            <a:srgbClr val="FFFFFF"/>
+          </a:solidFill>
+          <a:ln w="31750" cap="sq">
+            <a:solidFill>
+              <a:srgbClr val="404040"/>
+            </a:solidFill>
+            <a:miter lim="800000"/>
+          </a:ln>
+        </p:spPr>
+        <p:txBody>
+          <a:bodyPr vert="horz" lIns="182880" tIns="182880" rIns="182880" bIns="182880" rtlCol="0" anchor="ctr">
+            <a:normAutofit/>
+          </a:bodyPr>
+          <a:lstStyle/>
+          <a:p>
+            <a:r>
+              <a:rPr lang="en-US"/>
+              <a:t>Click to edit Master title style</a:t>
+            </a:r>
+            <a:endParaRPr lang="en-US" dirty="0"/>
+          </a:p>
+        </p:txBody>
+      </p:sp>
+      <p:sp>
+        <p:nvSpPr>
+          <p:cNvPr id="3" name="Text Placeholder 2"/>
+          <p:cNvSpPr>
+            <a:spLocks noGrp="1"/>
+          </p:cNvSpPr>
+          <p:nvPr>
+            <p:ph type="body" idx="1"/>
+          </p:nvPr>
+        </p:nvSpPr>
         <p:spPr>
           <a:xfrm>
-            <a:off x="838200" y="365125"/>
-            <a:ext cx="10515600" cy="1325563"/>
+            <a:off x="2231136" y="2638044"/>
+            <a:ext cx="7729728" cy="3101983"/>
           </a:xfrm>
           <a:prstGeom prst="rect">
             <a:avLst/>
           </a:prstGeom>
         </p:spPr>
         <p:txBody>
-          <a:bodyPr vert="horz" lIns="91440" tIns="45720" rIns="91440" bIns="45720" rtlCol="0" anchor="ctr">
+          <a:bodyPr vert="horz" lIns="91440" tIns="45720" rIns="91440" bIns="45720" rtlCol="0">
             <a:normAutofit/>
           </a:bodyPr>
           <a:lstStyle/>
           <a:p>
-            <a:r>
-              <a:rPr lang="en-US" smtClean="0"/>
-              <a:t>Click to edit Master title style</a:t>
-            </a:r>
-            <a:endParaRPr lang="en-US"/>
-          </a:p>
-        </p:txBody>
-      </p:sp>
-      <p:sp>
-        <p:nvSpPr>
-          <p:cNvPr id="3" name="Text Placeholder 2"/>
-          <p:cNvSpPr>
-            <a:spLocks noGrp="1"/>
-          </p:cNvSpPr>
-          <p:nvPr>
-            <p:ph type="body" idx="1"/>
+            <a:pPr lvl="0"/>
+            <a:r>
+              <a:rPr lang="en-US" dirty="0"/>
+              <a:t>Edit Master text styles</a:t>
+            </a:r>
+          </a:p>
+          <a:p>
+            <a:pPr lvl="1"/>
+            <a:r>
+              <a:rPr lang="en-US" dirty="0"/>
+              <a:t>Second level</a:t>
+            </a:r>
+          </a:p>
+          <a:p>
+            <a:pPr lvl="2"/>
+            <a:r>
+              <a:rPr lang="en-US" dirty="0"/>
+              <a:t>Third level</a:t>
+            </a:r>
+          </a:p>
+          <a:p>
+            <a:pPr lvl="3"/>
+            <a:r>
+              <a:rPr lang="en-US" dirty="0"/>
+              <a:t>Fourth level</a:t>
+            </a:r>
+          </a:p>
+          <a:p>
+            <a:pPr lvl="4"/>
+            <a:r>
+              <a:rPr lang="en-US" dirty="0"/>
+              <a:t>Fifth level</a:t>
+            </a:r>
+          </a:p>
+        </p:txBody>
+      </p:sp>
+      <p:sp>
+        <p:nvSpPr>
+          <p:cNvPr id="4" name="Date Placeholder 3"/>
+          <p:cNvSpPr>
+            <a:spLocks noGrp="1"/>
+          </p:cNvSpPr>
+          <p:nvPr>
+            <p:ph type="dt" sz="half" idx="2"/>
           </p:nvPr>
         </p:nvSpPr>
         <p:spPr>
           <a:xfrm>
-            <a:off x="838200" y="1825625"/>
-            <a:ext cx="10515600" cy="4351338"/>
+            <a:off x="7821429" y="6238816"/>
+            <a:ext cx="2753746" cy="323968"/>
           </a:xfrm>
           <a:prstGeom prst="rect">
             <a:avLst/>
           </a:prstGeom>
         </p:spPr>
         <p:txBody>
-          <a:bodyPr vert="horz" lIns="91440" tIns="45720" rIns="91440" bIns="45720" rtlCol="0">
-            <a:normAutofit/>
-          </a:bodyPr>
-          <a:lstStyle/>
-          <a:p>
-            <a:pPr lvl="0"/>
-            <a:r>
+          <a:bodyPr vert="horz" lIns="91440" tIns="45720" rIns="91440" bIns="45720" rtlCol="0" anchor="ctr"/>
+          <a:lstStyle>
+            <a:lvl1pPr algn="r">
+              <a:defRPr sz="1050">
+                <a:solidFill>
+                  <a:schemeClr val="tx1">
+                    <a:alpha val="70000"/>
+                  </a:schemeClr>
+                </a:solidFill>
+              </a:defRPr>
+            </a:lvl1pPr>
+          </a:lstStyle>
+          <a:p>
+            <a:fld id="{2B0A5030-1C0E-44AA-B0D4-0821B95E4F3C}" type="datetimeFigureOut">
               <a:rPr lang="en-US" smtClean="0"/>
-              <a:t>Click to edit Master text styles</a:t>
-            </a:r>
-          </a:p>
-          <a:p>
-            <a:pPr lvl="1"/>
-            <a:r>
-              <a:rPr lang="en-US" smtClean="0"/>
-              <a:t>Second level</a:t>
-            </a:r>
-          </a:p>
-          <a:p>
-            <a:pPr lvl="2"/>
-            <a:r>
-              <a:rPr lang="en-US" smtClean="0"/>
-              <a:t>Third level</a:t>
-            </a:r>
-          </a:p>
-          <a:p>
-            <a:pPr lvl="3"/>
-            <a:r>
-              <a:rPr lang="en-US" smtClean="0"/>
-              <a:t>Fourth level</a:t>
-            </a:r>
-          </a:p>
-          <a:p>
-            <a:pPr lvl="4"/>
-            <a:r>
-              <a:rPr lang="en-US" smtClean="0"/>
-              <a:t>Fifth level</a:t>
-            </a:r>
+              <a:t>3/6/2018</a:t>
+            </a:fld>
             <a:endParaRPr lang="en-US"/>
           </a:p>
         </p:txBody>
       </p:sp>
       <p:sp>
         <p:nvSpPr>
-          <p:cNvPr id="4" name="Date Placeholder 3"/>
-          <p:cNvSpPr>
-            <a:spLocks noGrp="1"/>
-          </p:cNvSpPr>
-          <p:nvPr>
-            <p:ph type="dt" sz="half" idx="2"/>
+          <p:cNvPr id="5" name="Footer Placeholder 4"/>
+          <p:cNvSpPr>
+            <a:spLocks noGrp="1"/>
+          </p:cNvSpPr>
+          <p:nvPr>
+            <p:ph type="ftr" sz="quarter" idx="3"/>
           </p:nvPr>
         </p:nvSpPr>
         <p:spPr>
           <a:xfrm>
-            <a:off x="838200" y="6356350"/>
-            <a:ext cx="2743200" cy="365125"/>
+            <a:off x="1600200" y="6236208"/>
+            <a:ext cx="5901189" cy="320040"/>
           </a:xfrm>
           <a:prstGeom prst="rect">
             <a:avLst/>
@@ -2559,89 +2881,53 @@
           <a:bodyPr vert="horz" lIns="91440" tIns="45720" rIns="91440" bIns="45720" rtlCol="0" anchor="ctr"/>
           <a:lstStyle>
             <a:lvl1pPr algn="l">
-              <a:defRPr sz="1200">
+              <a:defRPr sz="1050">
                 <a:solidFill>
                   <a:schemeClr val="tx1">
-                    <a:tint val="75000"/>
+                    <a:alpha val="70000"/>
                   </a:schemeClr>
                 </a:solidFill>
               </a:defRPr>
             </a:lvl1pPr>
           </a:lstStyle>
           <a:p>
-            <a:fld id="{2B0A5030-1C0E-44AA-B0D4-0821B95E4F3C}" type="datetimeFigureOut">
-              <a:rPr lang="en-US" smtClean="0"/>
-              <a:t>4/14/2016</a:t>
-            </a:fld>
             <a:endParaRPr lang="en-US"/>
           </a:p>
         </p:txBody>
       </p:sp>
       <p:sp>
         <p:nvSpPr>
-          <p:cNvPr id="5" name="Footer Placeholder 4"/>
-          <p:cNvSpPr>
-            <a:spLocks noGrp="1"/>
-          </p:cNvSpPr>
-          <p:nvPr>
-            <p:ph type="ftr" sz="quarter" idx="3"/>
+          <p:cNvPr id="6" name="Slide Number Placeholder 5"/>
+          <p:cNvSpPr>
+            <a:spLocks noGrp="1"/>
+          </p:cNvSpPr>
+          <p:nvPr>
+            <p:ph type="sldNum" sz="quarter" idx="4"/>
           </p:nvPr>
         </p:nvSpPr>
         <p:spPr>
           <a:xfrm>
-            <a:off x="4038600" y="6356350"/>
-            <a:ext cx="4114800" cy="365125"/>
+            <a:off x="10758922" y="6217920"/>
+            <a:ext cx="365760" cy="365760"/>
           </a:xfrm>
-          <a:prstGeom prst="rect">
+          <a:prstGeom prst="ellipse">
             <a:avLst/>
           </a:prstGeom>
+          <a:solidFill>
+            <a:srgbClr val="1D1D1D">
+              <a:alpha val="70000"/>
+            </a:srgbClr>
+          </a:solidFill>
         </p:spPr>
         <p:txBody>
-          <a:bodyPr vert="horz" lIns="91440" tIns="45720" rIns="91440" bIns="45720" rtlCol="0" anchor="ctr"/>
+          <a:bodyPr vert="horz" lIns="18288" tIns="45720" rIns="18288" bIns="45720" rtlCol="0" anchor="ctr">
+            <a:noAutofit/>
+          </a:bodyPr>
           <a:lstStyle>
             <a:lvl1pPr algn="ctr">
-              <a:defRPr sz="1200">
+              <a:defRPr sz="1100" spc="0" baseline="0">
                 <a:solidFill>
-                  <a:schemeClr val="tx1">
-                    <a:tint val="75000"/>
-                  </a:schemeClr>
-                </a:solidFill>
-              </a:defRPr>
-            </a:lvl1pPr>
-          </a:lstStyle>
-          <a:p>
-            <a:endParaRPr lang="en-US"/>
-          </a:p>
-        </p:txBody>
-      </p:sp>
-      <p:sp>
-        <p:nvSpPr>
-          <p:cNvPr id="6" name="Slide Number Placeholder 5"/>
-          <p:cNvSpPr>
-            <a:spLocks noGrp="1"/>
-          </p:cNvSpPr>
-          <p:nvPr>
-            <p:ph type="sldNum" sz="quarter" idx="4"/>
-          </p:nvPr>
-        </p:nvSpPr>
-        <p:spPr>
-          <a:xfrm>
-            <a:off x="8610600" y="6356350"/>
-            <a:ext cx="2743200" cy="365125"/>
-          </a:xfrm>
-          <a:prstGeom prst="rect">
-            <a:avLst/>
-          </a:prstGeom>
-        </p:spPr>
-        <p:txBody>
-          <a:bodyPr vert="horz" lIns="91440" tIns="45720" rIns="91440" bIns="45720" rtlCol="0" anchor="ctr"/>
-          <a:lstStyle>
-            <a:lvl1pPr algn="r">
-              <a:defRPr sz="1200">
-                <a:solidFill>
-                  <a:schemeClr val="tx1">
-                    <a:tint val="75000"/>
-                  </a:schemeClr>
+                  <a:srgbClr val="FFFFFF"/>
                 </a:solidFill>
               </a:defRPr>
             </a:lvl1pPr>
@@ -2658,27 +2944,27 @@
     </p:spTree>
     <p:extLst>
       <p:ext uri="{BB962C8B-B14F-4D97-AF65-F5344CB8AC3E}">
-        <p14:creationId xmlns:p14="http://schemas.microsoft.com/office/powerpoint/2010/main" val="1445950783"/>
+        <p14:creationId xmlns:p14="http://schemas.microsoft.com/office/powerpoint/2010/main" val="1656361645"/>
       </p:ext>
     </p:extLst>
   </p:cSld>
   <p:clrMap bg1="lt1" tx1="dk1" bg2="lt2" tx2="dk2" accent1="accent1" accent2="accent2" accent3="accent3" accent4="accent4" accent5="accent5" accent6="accent6" hlink="hlink" folHlink="folHlink"/>
   <p:sldLayoutIdLst>
-    <p:sldLayoutId id="2147483649" r:id="rId1"/>
-    <p:sldLayoutId id="2147483650" r:id="rId2"/>
-    <p:sldLayoutId id="2147483651" r:id="rId3"/>
-    <p:sldLayoutId id="2147483652" r:id="rId4"/>
-    <p:sldLayoutId id="2147483653" r:id="rId5"/>
-    <p:sldLayoutId id="2147483654" r:id="rId6"/>
-    <p:sldLayoutId id="2147483655" r:id="rId7"/>
-    <p:sldLayoutId id="2147483656" r:id="rId8"/>
-    <p:sldLayoutId id="2147483657" r:id="rId9"/>
-    <p:sldLayoutId id="2147483658" r:id="rId10"/>
-    <p:sldLayoutId id="2147483659" r:id="rId11"/>
+    <p:sldLayoutId id="2147483727" r:id="rId1"/>
+    <p:sldLayoutId id="2147483728" r:id="rId2"/>
+    <p:sldLayoutId id="2147483729" r:id="rId3"/>
+    <p:sldLayoutId id="2147483730" r:id="rId4"/>
+    <p:sldLayoutId id="2147483731" r:id="rId5"/>
+    <p:sldLayoutId id="2147483732" r:id="rId6"/>
+    <p:sldLayoutId id="2147483733" r:id="rId7"/>
+    <p:sldLayoutId id="2147483734" r:id="rId8"/>
+    <p:sldLayoutId id="2147483735" r:id="rId9"/>
+    <p:sldLayoutId id="2147483736" r:id="rId10"/>
+    <p:sldLayoutId id="2147483737" r:id="rId11"/>
   </p:sldLayoutIdLst>
   <p:txStyles>
     <p:titleStyle>
-      <a:lvl1pPr algn="l" defTabSz="914400" rtl="0" eaLnBrk="1" latinLnBrk="0" hangingPunct="1">
+      <a:lvl1pPr algn="ctr" defTabSz="914400" rtl="0" eaLnBrk="1" latinLnBrk="0" hangingPunct="1">
         <a:lnSpc>
           <a:spcPct val="90000"/>
         </a:lnSpc>
@@ -2686,9 +2972,9 @@
           <a:spcPct val="0"/>
         </a:spcBef>
         <a:buNone/>
-        <a:defRPr sz="4400" kern="1200">
+        <a:defRPr sz="2800" kern="1200" cap="all" spc="200" baseline="0">
           <a:solidFill>
-            <a:schemeClr val="tx1"/>
+            <a:srgbClr val="262626"/>
           </a:solidFill>
           <a:latin typeface="+mj-lt"/>
           <a:ea typeface="+mj-ea"/>
@@ -2699,104 +2985,137 @@
     <p:bodyStyle>
       <a:lvl1pPr marL="228600" indent="-228600" algn="l" defTabSz="914400" rtl="0" eaLnBrk="1" latinLnBrk="0" hangingPunct="1">
         <a:lnSpc>
-          <a:spcPct val="90000"/>
+          <a:spcPct val="100000"/>
         </a:lnSpc>
         <a:spcBef>
           <a:spcPts val="1000"/>
         </a:spcBef>
+        <a:buClr>
+          <a:schemeClr val="accent2"/>
+        </a:buClr>
         <a:buFont typeface="Arial" panose="020B0604020202020204" pitchFamily="34" charset="0"/>
         <a:buChar char="•"/>
-        <a:defRPr sz="2800" kern="1200">
+        <a:defRPr sz="1800" kern="1200">
           <a:solidFill>
-            <a:schemeClr val="tx1"/>
+            <a:schemeClr val="tx1">
+              <a:lumMod val="85000"/>
+              <a:lumOff val="15000"/>
+            </a:schemeClr>
           </a:solidFill>
           <a:latin typeface="+mn-lt"/>
           <a:ea typeface="+mn-ea"/>
           <a:cs typeface="+mn-cs"/>
         </a:defRPr>
       </a:lvl1pPr>
-      <a:lvl2pPr marL="685800" indent="-228600" algn="l" defTabSz="914400" rtl="0" eaLnBrk="1" latinLnBrk="0" hangingPunct="1">
+      <a:lvl2pPr marL="457200" indent="-228600" algn="l" defTabSz="914400" rtl="0" eaLnBrk="1" latinLnBrk="0" hangingPunct="1">
         <a:lnSpc>
-          <a:spcPct val="90000"/>
+          <a:spcPct val="100000"/>
         </a:lnSpc>
         <a:spcBef>
-          <a:spcPts val="500"/>
+          <a:spcPts val="1000"/>
         </a:spcBef>
+        <a:buClr>
+          <a:schemeClr val="accent2"/>
+        </a:buClr>
         <a:buFont typeface="Arial" panose="020B0604020202020204" pitchFamily="34" charset="0"/>
         <a:buChar char="•"/>
-        <a:defRPr sz="2400" kern="1200">
+        <a:defRPr sz="1600" kern="1200">
           <a:solidFill>
-            <a:schemeClr val="tx1"/>
+            <a:schemeClr val="tx1">
+              <a:lumMod val="85000"/>
+              <a:lumOff val="15000"/>
+            </a:schemeClr>
           </a:solidFill>
           <a:latin typeface="+mn-lt"/>
           <a:ea typeface="+mn-ea"/>
           <a:cs typeface="+mn-cs"/>
         </a:defRPr>
       </a:lvl2pPr>
-      <a:lvl3pPr marL="1143000" indent="-228600" algn="l" defTabSz="914400" rtl="0" eaLnBrk="1" latinLnBrk="0" hangingPunct="1">
+      <a:lvl3pPr marL="685800" indent="-228600" algn="l" defTabSz="914400" rtl="0" eaLnBrk="1" latinLnBrk="0" hangingPunct="1">
         <a:lnSpc>
-          <a:spcPct val="90000"/>
+          <a:spcPct val="100000"/>
         </a:lnSpc>
         <a:spcBef>
-          <a:spcPts val="500"/>
+          <a:spcPts val="1000"/>
         </a:spcBef>
+        <a:buClr>
+          <a:schemeClr val="accent2"/>
+        </a:buClr>
         <a:buFont typeface="Arial" panose="020B0604020202020204" pitchFamily="34" charset="0"/>
         <a:buChar char="•"/>
-        <a:defRPr sz="2000" kern="1200">
+        <a:defRPr sz="1600" kern="1200">
           <a:solidFill>
-            <a:schemeClr val="tx1"/>
+            <a:schemeClr val="tx1">
+              <a:lumMod val="85000"/>
+              <a:lumOff val="15000"/>
+            </a:schemeClr>
           </a:solidFill>
           <a:latin typeface="+mn-lt"/>
           <a:ea typeface="+mn-ea"/>
           <a:cs typeface="+mn-cs"/>
         </a:defRPr>
       </a:lvl3pPr>
-      <a:lvl4pPr marL="1600200" indent="-228600" algn="l" defTabSz="914400" rtl="0" eaLnBrk="1" latinLnBrk="0" hangingPunct="1">
+      <a:lvl4pPr marL="914400" indent="-228600" algn="l" defTabSz="914400" rtl="0" eaLnBrk="1" latinLnBrk="0" hangingPunct="1">
         <a:lnSpc>
-          <a:spcPct val="90000"/>
+          <a:spcPct val="100000"/>
         </a:lnSpc>
         <a:spcBef>
-          <a:spcPts val="500"/>
+          <a:spcPts val="1000"/>
         </a:spcBef>
+        <a:buClr>
+          <a:schemeClr val="accent2"/>
+        </a:buClr>
         <a:buFont typeface="Arial" panose="020B0604020202020204" pitchFamily="34" charset="0"/>
         <a:buChar char="•"/>
-        <a:defRPr sz="1800" kern="1200">
+        <a:defRPr sz="1600" kern="1200">
           <a:solidFill>
-            <a:schemeClr val="tx1"/>
+            <a:schemeClr val="tx1">
+              <a:lumMod val="85000"/>
+              <a:lumOff val="15000"/>
+            </a:schemeClr>
           </a:solidFill>
           <a:latin typeface="+mn-lt"/>
           <a:ea typeface="+mn-ea"/>
           <a:cs typeface="+mn-cs"/>
         </a:defRPr>
       </a:lvl4pPr>
-      <a:lvl5pPr marL="2057400" indent="-228600" algn="l" defTabSz="914400" rtl="0" eaLnBrk="1" latinLnBrk="0" hangingPunct="1">
+      <a:lvl5pPr marL="1143000" indent="-228600" algn="l" defTabSz="914400" rtl="0" eaLnBrk="1" latinLnBrk="0" hangingPunct="1">
         <a:lnSpc>
-          <a:spcPct val="90000"/>
+          <a:spcPct val="100000"/>
         </a:lnSpc>
         <a:spcBef>
-          <a:spcPts val="500"/>
+          <a:spcPts val="1000"/>
         </a:spcBef>
+        <a:buClr>
+          <a:schemeClr val="accent2"/>
+        </a:buClr>
         <a:buFont typeface="Arial" panose="020B0604020202020204" pitchFamily="34" charset="0"/>
         <a:buChar char="•"/>
-        <a:defRPr sz="1800" kern="1200">
+        <a:defRPr sz="1600" kern="1200">
           <a:solidFill>
-            <a:schemeClr val="tx1"/>
+            <a:schemeClr val="tx1">
+              <a:lumMod val="85000"/>
+              <a:lumOff val="15000"/>
+            </a:schemeClr>
           </a:solidFill>
           <a:latin typeface="+mn-lt"/>
           <a:ea typeface="+mn-ea"/>
           <a:cs typeface="+mn-cs"/>
         </a:defRPr>
       </a:lvl5pPr>
-      <a:lvl6pPr marL="2514600" indent="-228600" algn="l" defTabSz="914400" rtl="0" eaLnBrk="1" latinLnBrk="0" hangingPunct="1">
+      <a:lvl6pPr marL="1312863" indent="-228600" algn="l" defTabSz="914400" rtl="0" eaLnBrk="1" latinLnBrk="0" hangingPunct="1">
         <a:lnSpc>
-          <a:spcPct val="90000"/>
+          <a:spcPct val="100000"/>
         </a:lnSpc>
         <a:spcBef>
-          <a:spcPts val="500"/>
+          <a:spcPts val="1000"/>
         </a:spcBef>
+        <a:buClr>
+          <a:schemeClr val="accent2"/>
+        </a:buClr>
         <a:buFont typeface="Arial" panose="020B0604020202020204" pitchFamily="34" charset="0"/>
         <a:buChar char="•"/>
-        <a:defRPr sz="1800" kern="1200">
+        <a:defRPr sz="1600" kern="1200">
           <a:solidFill>
             <a:schemeClr val="tx1"/>
           </a:solidFill>
@@ -2805,16 +3124,19 @@
           <a:cs typeface="+mn-cs"/>
         </a:defRPr>
       </a:lvl6pPr>
-      <a:lvl7pPr marL="2971800" indent="-228600" algn="l" defTabSz="914400" rtl="0" eaLnBrk="1" latinLnBrk="0" hangingPunct="1">
+      <a:lvl7pPr marL="1484313" indent="-228600" algn="l" defTabSz="914400" rtl="0" eaLnBrk="1" latinLnBrk="0" hangingPunct="1">
         <a:lnSpc>
-          <a:spcPct val="90000"/>
+          <a:spcPct val="100000"/>
         </a:lnSpc>
         <a:spcBef>
-          <a:spcPts val="500"/>
+          <a:spcPts val="1000"/>
         </a:spcBef>
+        <a:buClr>
+          <a:schemeClr val="accent2"/>
+        </a:buClr>
         <a:buFont typeface="Arial" panose="020B0604020202020204" pitchFamily="34" charset="0"/>
         <a:buChar char="•"/>
-        <a:defRPr sz="1800" kern="1200">
+        <a:defRPr sz="1600" kern="1200">
           <a:solidFill>
             <a:schemeClr val="tx1"/>
           </a:solidFill>
@@ -2823,16 +3145,19 @@
           <a:cs typeface="+mn-cs"/>
         </a:defRPr>
       </a:lvl7pPr>
-      <a:lvl8pPr marL="3429000" indent="-228600" algn="l" defTabSz="914400" rtl="0" eaLnBrk="1" latinLnBrk="0" hangingPunct="1">
+      <a:lvl8pPr marL="1657350" indent="-228600" algn="l" defTabSz="914400" rtl="0" eaLnBrk="1" latinLnBrk="0" hangingPunct="1">
         <a:lnSpc>
-          <a:spcPct val="90000"/>
+          <a:spcPct val="100000"/>
         </a:lnSpc>
         <a:spcBef>
-          <a:spcPts val="500"/>
+          <a:spcPts val="1000"/>
         </a:spcBef>
+        <a:buClr>
+          <a:schemeClr val="accent2"/>
+        </a:buClr>
         <a:buFont typeface="Arial" panose="020B0604020202020204" pitchFamily="34" charset="0"/>
         <a:buChar char="•"/>
-        <a:defRPr sz="1800" kern="1200">
+        <a:defRPr sz="1600" kern="1200" baseline="0">
           <a:solidFill>
             <a:schemeClr val="tx1"/>
           </a:solidFill>
@@ -2841,16 +3166,19 @@
           <a:cs typeface="+mn-cs"/>
         </a:defRPr>
       </a:lvl8pPr>
-      <a:lvl9pPr marL="3886200" indent="-228600" algn="l" defTabSz="914400" rtl="0" eaLnBrk="1" latinLnBrk="0" hangingPunct="1">
+      <a:lvl9pPr marL="1882775" indent="-228600" algn="l" defTabSz="914400" rtl="0" eaLnBrk="1" latinLnBrk="0" hangingPunct="1">
         <a:lnSpc>
-          <a:spcPct val="90000"/>
+          <a:spcPct val="100000"/>
         </a:lnSpc>
         <a:spcBef>
-          <a:spcPts val="500"/>
+          <a:spcPts val="1000"/>
         </a:spcBef>
+        <a:buClr>
+          <a:schemeClr val="accent2"/>
+        </a:buClr>
         <a:buFont typeface="Arial" panose="020B0604020202020204" pitchFamily="34" charset="0"/>
         <a:buChar char="•"/>
-        <a:defRPr sz="1800" kern="1200">
+        <a:defRPr sz="1600" kern="1200" baseline="0">
           <a:solidFill>
             <a:schemeClr val="tx1"/>
           </a:solidFill>
@@ -2992,17 +3320,16 @@
           <a:lstStyle/>
           <a:p>
             <a:r>
-              <a:rPr lang="en-US" dirty="0" smtClean="0"/>
-              <a:t>Project Title</a:t>
+              <a:rPr lang="en-US" dirty="0"/>
+              <a:t>Trending apps detection</a:t>
             </a:r>
             <a:br>
-              <a:rPr lang="en-US" dirty="0" smtClean="0"/>
+              <a:rPr lang="en-US" dirty="0"/>
             </a:br>
             <a:r>
-              <a:rPr lang="en-US" dirty="0" smtClean="0"/>
-              <a:t>Client: …	</a:t>
-            </a:r>
-            <a:endParaRPr lang="en-US" dirty="0"/>
+              <a:rPr lang="en-US" dirty="0"/>
+              <a:t>Client: N3twork	</a:t>
+            </a:r>
           </a:p>
         </p:txBody>
       </p:sp>
@@ -3018,20 +3345,41 @@
         </p:nvSpPr>
         <p:spPr/>
         <p:txBody>
-          <a:bodyPr/>
-          <a:lstStyle/>
-          <a:p>
-            <a:r>
-              <a:rPr lang="en-US" dirty="0" smtClean="0"/>
+          <a:bodyPr>
+            <a:normAutofit fontScale="70000" lnSpcReduction="20000"/>
+          </a:bodyPr>
+          <a:lstStyle/>
+          <a:p>
+            <a:r>
+              <a:rPr lang="en-US" dirty="0"/>
               <a:t>Team members</a:t>
             </a:r>
           </a:p>
           <a:p>
             <a:r>
-              <a:rPr lang="en-US" dirty="0" smtClean="0"/>
-              <a:t>(each person should introduce themselves, state their major, if they already have a (computing) job/internship and if not what are you looking for…</a:t>
-            </a:r>
-            <a:endParaRPr lang="en-US" dirty="0"/>
+              <a:rPr lang="en-US" dirty="0"/>
+              <a:t>Kate Mizgireva (Data Science, MUSC Data Science Research Intern)</a:t>
+            </a:r>
+          </a:p>
+          <a:p>
+            <a:r>
+              <a:rPr lang="en-US" dirty="0"/>
+              <a:t>Katie </a:t>
+            </a:r>
+            <a:r>
+              <a:rPr lang="en-US" dirty="0" err="1"/>
+              <a:t>Balcewicz</a:t>
+            </a:r>
+            <a:r>
+              <a:rPr lang="en-US" dirty="0"/>
+              <a:t> (Data Science)</a:t>
+            </a:r>
+          </a:p>
+          <a:p>
+            <a:r>
+              <a:rPr lang="en-US" dirty="0"/>
+              <a:t>Zach Kidd (Data Science)</a:t>
+            </a:r>
           </a:p>
         </p:txBody>
       </p:sp>
@@ -3081,10 +3429,9 @@
           <a:lstStyle/>
           <a:p>
             <a:r>
-              <a:rPr lang="en-US" dirty="0" smtClean="0"/>
+              <a:rPr lang="en-US" dirty="0"/>
               <a:t>Project description</a:t>
             </a:r>
-            <a:endParaRPr lang="en-US" dirty="0"/>
           </a:p>
         </p:txBody>
       </p:sp>
@@ -3100,35 +3447,53 @@
         </p:nvSpPr>
         <p:spPr/>
         <p:txBody>
-          <a:bodyPr/>
-          <a:lstStyle/>
-          <a:p>
-            <a:r>
-              <a:rPr lang="en-US" dirty="0" smtClean="0"/>
-              <a:t>Describe the </a:t>
-            </a:r>
-            <a:r>
-              <a:rPr lang="en-US" dirty="0" smtClean="0"/>
-              <a:t>project. </a:t>
-            </a:r>
-          </a:p>
-          <a:p>
-            <a:r>
-              <a:rPr lang="en-US" b="1" dirty="0" smtClean="0">
-                <a:solidFill>
-                  <a:srgbClr val="C00000"/>
-                </a:solidFill>
-              </a:rPr>
-              <a:t>THIS IS SUPER IMPORTANT TO DO A GOOD JOB!!! MAKE SURE TO SAY WHY THIS PROJECT HAS VALUE. </a:t>
-            </a:r>
-          </a:p>
-          <a:p>
-            <a:pPr lvl="1"/>
-            <a:r>
-              <a:rPr lang="en-US" dirty="0" smtClean="0"/>
-              <a:t>Most all of the audience did not see your midterm and have no idea what you are doing…</a:t>
-            </a:r>
-            <a:endParaRPr lang="en-US" dirty="0"/>
+          <a:bodyPr>
+            <a:normAutofit/>
+          </a:bodyPr>
+          <a:lstStyle/>
+          <a:p>
+            <a:r>
+              <a:rPr lang="en-US" dirty="0"/>
+              <a:t>Web-</a:t>
+            </a:r>
+            <a:r>
+              <a:rPr lang="en-US" dirty="0" err="1"/>
+              <a:t>scap</a:t>
+            </a:r>
+            <a:r>
+              <a:rPr lang="en-US" dirty="0"/>
+              <a:t> data from Apple and Android App Stores on top 500 trending gaming apps</a:t>
+            </a:r>
+          </a:p>
+          <a:p>
+            <a:r>
+              <a:rPr lang="en-US" dirty="0"/>
+              <a:t>Upload into MongoDB and process the data</a:t>
+            </a:r>
+          </a:p>
+          <a:p>
+            <a:r>
+              <a:rPr lang="en-US" dirty="0"/>
+              <a:t>Implement daily Bash scripts to collect the data</a:t>
+            </a:r>
+          </a:p>
+          <a:p>
+            <a:r>
+              <a:rPr lang="en-US" dirty="0"/>
+              <a:t>Detect the outliers in trends</a:t>
+            </a:r>
+          </a:p>
+          <a:p>
+            <a:r>
+              <a:rPr lang="en-US" dirty="0"/>
+              <a:t>Build predictive model on apps that will trend in future</a:t>
+            </a:r>
+          </a:p>
+          <a:p>
+            <a:r>
+              <a:rPr lang="en-US" dirty="0"/>
+              <a:t>Implement a script to send a daily e-mail to the company with the list of apps worth checking</a:t>
+            </a:r>
           </a:p>
         </p:txBody>
       </p:sp>
@@ -3172,44 +3537,32 @@
             <p:ph type="title"/>
           </p:nvPr>
         </p:nvSpPr>
-        <p:spPr/>
-        <p:txBody>
-          <a:bodyPr/>
-          <a:lstStyle/>
-          <a:p>
-            <a:r>
-              <a:rPr lang="en-US" dirty="0" smtClean="0"/>
+        <p:spPr>
+          <a:xfrm>
+            <a:off x="838200" y="405636"/>
+            <a:ext cx="10515600" cy="1325563"/>
+          </a:xfrm>
+        </p:spPr>
+        <p:txBody>
+          <a:bodyPr/>
+          <a:lstStyle/>
+          <a:p>
+            <a:r>
+              <a:rPr lang="en-US" dirty="0"/>
               <a:t>Technologies Used</a:t>
-            </a:r>
-            <a:endParaRPr lang="en-US" dirty="0"/>
-          </a:p>
-        </p:txBody>
-      </p:sp>
-      <p:sp>
-        <p:nvSpPr>
-          <p:cNvPr id="3" name="Content Placeholder 2"/>
-          <p:cNvSpPr>
-            <a:spLocks noGrp="1"/>
-          </p:cNvSpPr>
-          <p:nvPr>
-            <p:ph idx="1"/>
-          </p:nvPr>
-        </p:nvSpPr>
-        <p:spPr/>
-        <p:txBody>
-          <a:bodyPr/>
-          <a:lstStyle/>
-          <a:p>
-            <a:r>
-              <a:rPr lang="en-US" dirty="0" smtClean="0"/>
-              <a:t>Here you will display the logos for ALL of the technologies you are using. You will also say real quick what each technology does and why you chose them.</a:t>
             </a:r>
           </a:p>
         </p:txBody>
       </p:sp>
       <p:pic>
         <p:nvPicPr>
-          <p:cNvPr id="1030" name="Picture 6" descr="https://digitalfellows.commons.gc.cuny.edu/files/2015/03/github_logo-1.png"/>
+          <p:cNvPr id="7" name="Picture 8" descr="Image result for slack">
+            <a:extLst>
+              <a:ext uri="{FF2B5EF4-FFF2-40B4-BE49-F238E27FC236}">
+                <a16:creationId xmlns:a16="http://schemas.microsoft.com/office/drawing/2014/main" id="{402AFA8E-B9B2-44FF-921F-E57EB0CFB9D8}"/>
+              </a:ext>
+            </a:extLst>
+          </p:cNvPr>
           <p:cNvPicPr>
             <a:picLocks noChangeAspect="1" noChangeArrowheads="1"/>
           </p:cNvPicPr>
@@ -3230,8 +3583,8 @@
         </p:blipFill>
         <p:spPr bwMode="auto">
           <a:xfrm>
-            <a:off x="457200" y="3207619"/>
-            <a:ext cx="2587146" cy="553400"/>
+            <a:off x="4724124" y="1964173"/>
+            <a:ext cx="2065458" cy="1093478"/>
           </a:xfrm>
           <a:prstGeom prst="rect">
             <a:avLst/>
@@ -3250,7 +3603,13 @@
       </p:pic>
       <p:pic>
         <p:nvPicPr>
-          <p:cNvPr id="1032" name="Picture 8" descr="https://securedb.co/wp-content/uploads/2015/07/postgresql-9.3-free-download.png"/>
+          <p:cNvPr id="9" name="Picture 12" descr="Image result for google cloud">
+            <a:extLst>
+              <a:ext uri="{FF2B5EF4-FFF2-40B4-BE49-F238E27FC236}">
+                <a16:creationId xmlns:a16="http://schemas.microsoft.com/office/drawing/2014/main" id="{70E1FDBE-DB69-429C-8B4C-EDC9B5E7B65D}"/>
+              </a:ext>
+            </a:extLst>
+          </p:cNvPr>
           <p:cNvPicPr>
             <a:picLocks noChangeAspect="1" noChangeArrowheads="1"/>
           </p:cNvPicPr>
@@ -3271,8 +3630,8 @@
         </p:blipFill>
         <p:spPr bwMode="auto">
           <a:xfrm>
-            <a:off x="3182429" y="3632714"/>
-            <a:ext cx="1741338" cy="1544135"/>
+            <a:off x="114533" y="3153824"/>
+            <a:ext cx="5634835" cy="1459334"/>
           </a:xfrm>
           <a:prstGeom prst="rect">
             <a:avLst/>
@@ -3291,7 +3650,13 @@
       </p:pic>
       <p:pic>
         <p:nvPicPr>
-          <p:cNvPr id="1034" name="Picture 10" descr="https://upload.wikimedia.org/wikipedia/en/thumb/6/62/MySQL.svg/640px-MySQL.svg.png"/>
+          <p:cNvPr id="10" name="Picture 14" descr="Image result for linux">
+            <a:extLst>
+              <a:ext uri="{FF2B5EF4-FFF2-40B4-BE49-F238E27FC236}">
+                <a16:creationId xmlns:a16="http://schemas.microsoft.com/office/drawing/2014/main" id="{9727EEF2-3867-44E1-923F-560DC014958A}"/>
+              </a:ext>
+            </a:extLst>
+          </p:cNvPr>
           <p:cNvPicPr>
             <a:picLocks noChangeAspect="1" noChangeArrowheads="1"/>
           </p:cNvPicPr>
@@ -3312,8 +3677,8 @@
         </p:blipFill>
         <p:spPr bwMode="auto">
           <a:xfrm>
-            <a:off x="7893170" y="2670943"/>
-            <a:ext cx="2734181" cy="1414085"/>
+            <a:off x="5853423" y="3379546"/>
+            <a:ext cx="2266652" cy="1093478"/>
           </a:xfrm>
           <a:prstGeom prst="rect">
             <a:avLst/>
@@ -3332,31 +3697,60 @@
       </p:pic>
       <p:pic>
         <p:nvPicPr>
-          <p:cNvPr id="6" name="Picture 5"/>
+          <p:cNvPr id="11" name="Picture 16" descr="Image result for mongodb">
+            <a:extLst>
+              <a:ext uri="{FF2B5EF4-FFF2-40B4-BE49-F238E27FC236}">
+                <a16:creationId xmlns:a16="http://schemas.microsoft.com/office/drawing/2014/main" id="{1BBF4465-E62B-4C8E-9274-0CC1373B3295}"/>
+              </a:ext>
+            </a:extLst>
+          </p:cNvPr>
           <p:cNvPicPr>
-            <a:picLocks noChangeAspect="1"/>
+            <a:picLocks noChangeAspect="1" noChangeArrowheads="1"/>
           </p:cNvPicPr>
           <p:nvPr/>
         </p:nvPicPr>
         <p:blipFill>
-          <a:blip r:embed="rId5"/>
+          <a:blip r:embed="rId5">
+            <a:extLst>
+              <a:ext uri="{28A0092B-C50C-407E-A947-70E740481C1C}">
+                <a14:useLocalDpi xmlns:a14="http://schemas.microsoft.com/office/drawing/2010/main" val="0"/>
+              </a:ext>
+            </a:extLst>
+          </a:blip>
+          <a:srcRect/>
           <a:stretch>
             <a:fillRect/>
           </a:stretch>
         </p:blipFill>
-        <p:spPr>
+        <p:spPr bwMode="auto">
           <a:xfrm>
-            <a:off x="7797082" y="5735705"/>
-            <a:ext cx="4015445" cy="882515"/>
+            <a:off x="7808925" y="716708"/>
+            <a:ext cx="3348884" cy="3348884"/>
           </a:xfrm>
           <a:prstGeom prst="rect">
             <a:avLst/>
           </a:prstGeom>
+          <a:noFill/>
+          <a:extLst>
+            <a:ext uri="{909E8E84-426E-40DD-AFC4-6F175D3DCCD1}">
+              <a14:hiddenFill xmlns:a14="http://schemas.microsoft.com/office/drawing/2010/main">
+                <a:solidFill>
+                  <a:srgbClr val="FFFFFF"/>
+                </a:solidFill>
+              </a14:hiddenFill>
+            </a:ext>
+          </a:extLst>
         </p:spPr>
       </p:pic>
       <p:pic>
         <p:nvPicPr>
-          <p:cNvPr id="1036" name="Picture 12" descr="https://www.w3.org/html/logo/downloads/HTML5_Logo_512.png"/>
+          <p:cNvPr id="12" name="Picture 18" descr="Image result for json">
+            <a:extLst>
+              <a:ext uri="{FF2B5EF4-FFF2-40B4-BE49-F238E27FC236}">
+                <a16:creationId xmlns:a16="http://schemas.microsoft.com/office/drawing/2014/main" id="{EE8A4E64-5BE0-4E5A-8292-E5721335AF63}"/>
+              </a:ext>
+            </a:extLst>
+          </p:cNvPr>
           <p:cNvPicPr>
             <a:picLocks noChangeAspect="1" noChangeArrowheads="1"/>
           </p:cNvPicPr>
@@ -3377,8 +3771,8 @@
         </p:blipFill>
         <p:spPr bwMode="auto">
           <a:xfrm>
-            <a:off x="592767" y="4633312"/>
-            <a:ext cx="1512798" cy="1512798"/>
+            <a:off x="9483367" y="4972722"/>
+            <a:ext cx="738181" cy="738181"/>
           </a:xfrm>
           <a:prstGeom prst="rect">
             <a:avLst/>
@@ -3397,14 +3791,20 @@
       </p:pic>
       <p:pic>
         <p:nvPicPr>
-          <p:cNvPr id="1038" name="Picture 14" descr="http://codeschunks.com/wp-content/uploads/2015/10/angularjs.png"/>
+          <p:cNvPr id="1052" name="Picture 28" descr="Image result for node.js">
+            <a:extLst>
+              <a:ext uri="{FF2B5EF4-FFF2-40B4-BE49-F238E27FC236}">
+                <a16:creationId xmlns:a16="http://schemas.microsoft.com/office/drawing/2014/main" id="{15A2C234-2372-4525-B762-C87D539FA79A}"/>
+              </a:ext>
+            </a:extLst>
+          </p:cNvPr>
           <p:cNvPicPr>
             <a:picLocks noChangeAspect="1" noChangeArrowheads="1"/>
           </p:cNvPicPr>
           <p:nvPr/>
         </p:nvPicPr>
         <p:blipFill>
-          <a:blip r:embed="rId7">
+          <a:blip r:embed="rId7" cstate="print">
             <a:extLst>
               <a:ext uri="{28A0092B-C50C-407E-A947-70E740481C1C}">
                 <a14:useLocalDpi xmlns:a14="http://schemas.microsoft.com/office/drawing/2010/main" val="0"/>
@@ -3418,8 +3818,8 @@
         </p:blipFill>
         <p:spPr bwMode="auto">
           <a:xfrm>
-            <a:off x="5114267" y="2722318"/>
-            <a:ext cx="1524000" cy="1524001"/>
+            <a:off x="8921771" y="3525319"/>
+            <a:ext cx="2485555" cy="596940"/>
           </a:xfrm>
           <a:prstGeom prst="rect">
             <a:avLst/>
@@ -3438,14 +3838,20 @@
       </p:pic>
       <p:pic>
         <p:nvPicPr>
-          <p:cNvPr id="1040" name="Picture 16" descr="http://cdn2.hubspot.net/hub/362403/file-658956378-png/bitbucket.png"/>
+          <p:cNvPr id="1054" name="Picture 30" descr="Image result for bash">
+            <a:extLst>
+              <a:ext uri="{FF2B5EF4-FFF2-40B4-BE49-F238E27FC236}">
+                <a16:creationId xmlns:a16="http://schemas.microsoft.com/office/drawing/2014/main" id="{66156EC5-6DD7-4E1F-94B8-3733D7857355}"/>
+              </a:ext>
+            </a:extLst>
+          </p:cNvPr>
           <p:cNvPicPr>
             <a:picLocks noChangeAspect="1" noChangeArrowheads="1"/>
           </p:cNvPicPr>
           <p:nvPr/>
         </p:nvPicPr>
         <p:blipFill>
-          <a:blip r:embed="rId8">
+          <a:blip r:embed="rId8" cstate="print">
             <a:extLst>
               <a:ext uri="{28A0092B-C50C-407E-A947-70E740481C1C}">
                 <a14:useLocalDpi xmlns:a14="http://schemas.microsoft.com/office/drawing/2010/main" val="0"/>
@@ -3459,8 +3865,8 @@
         </p:blipFill>
         <p:spPr bwMode="auto">
           <a:xfrm>
-            <a:off x="6842543" y="53061"/>
-            <a:ext cx="1705095" cy="1705095"/>
+            <a:off x="970099" y="5097290"/>
+            <a:ext cx="1725831" cy="725838"/>
           </a:xfrm>
           <a:prstGeom prst="rect">
             <a:avLst/>
@@ -3479,7 +3885,13 @@
       </p:pic>
       <p:pic>
         <p:nvPicPr>
-          <p:cNvPr id="1042" name="Picture 18" descr="https://lingohub.com/wp-content/uploads/2014/05/logo-blue-lg.png"/>
+          <p:cNvPr id="1056" name="Picture 32" descr="Image result for scikit learn">
+            <a:extLst>
+              <a:ext uri="{FF2B5EF4-FFF2-40B4-BE49-F238E27FC236}">
+                <a16:creationId xmlns:a16="http://schemas.microsoft.com/office/drawing/2014/main" id="{F3D4F618-C9D2-4A72-A78E-F1049146C699}"/>
+              </a:ext>
+            </a:extLst>
+          </p:cNvPr>
           <p:cNvPicPr>
             <a:picLocks noChangeAspect="1" noChangeArrowheads="1"/>
           </p:cNvPicPr>
@@ -3500,8 +3912,8 @@
         </p:blipFill>
         <p:spPr bwMode="auto">
           <a:xfrm>
-            <a:off x="9161254" y="846889"/>
-            <a:ext cx="2384064" cy="759921"/>
+            <a:off x="6538570" y="4725553"/>
+            <a:ext cx="1405477" cy="1405477"/>
           </a:xfrm>
           <a:prstGeom prst="rect">
             <a:avLst/>
@@ -3520,7 +3932,13 @@
       </p:pic>
       <p:pic>
         <p:nvPicPr>
-          <p:cNvPr id="1044" name="Picture 20" descr="https://upload.wikimedia.org/wikipedia/en/thumb/b/bf/JIRA_logo.svg/1280px-JIRA_logo.svg.png"/>
+          <p:cNvPr id="1060" name="Picture 36" descr="Image result for github">
+            <a:extLst>
+              <a:ext uri="{FF2B5EF4-FFF2-40B4-BE49-F238E27FC236}">
+                <a16:creationId xmlns:a16="http://schemas.microsoft.com/office/drawing/2014/main" id="{F9927C6E-3BE2-4734-A7F6-BA367A124815}"/>
+              </a:ext>
+            </a:extLst>
+          </p:cNvPr>
           <p:cNvPicPr>
             <a:picLocks noChangeAspect="1" noChangeArrowheads="1"/>
           </p:cNvPicPr>
@@ -3541,8 +3959,8 @@
         </p:blipFill>
         <p:spPr bwMode="auto">
           <a:xfrm>
-            <a:off x="6042626" y="4315593"/>
-            <a:ext cx="2166007" cy="1083004"/>
+            <a:off x="803282" y="1931016"/>
+            <a:ext cx="2950033" cy="1093479"/>
           </a:xfrm>
           <a:prstGeom prst="rect">
             <a:avLst/>
@@ -3561,14 +3979,20 @@
       </p:pic>
       <p:pic>
         <p:nvPicPr>
-          <p:cNvPr id="1046" name="Picture 22" descr="http://aprendergratis.es/wp-content/uploads/2014/05/javaee1.png"/>
+          <p:cNvPr id="1062" name="Picture 38" descr="Related image">
+            <a:extLst>
+              <a:ext uri="{FF2B5EF4-FFF2-40B4-BE49-F238E27FC236}">
+                <a16:creationId xmlns:a16="http://schemas.microsoft.com/office/drawing/2014/main" id="{F8A27D6D-F140-4361-88CB-35DEBFD44C76}"/>
+              </a:ext>
+            </a:extLst>
+          </p:cNvPr>
           <p:cNvPicPr>
             <a:picLocks noChangeAspect="1" noChangeArrowheads="1"/>
           </p:cNvPicPr>
           <p:nvPr/>
         </p:nvPicPr>
         <p:blipFill>
-          <a:blip r:embed="rId11">
+          <a:blip r:embed="rId11" cstate="print">
             <a:extLst>
               <a:ext uri="{28A0092B-C50C-407E-A947-70E740481C1C}">
                 <a14:useLocalDpi xmlns:a14="http://schemas.microsoft.com/office/drawing/2010/main" val="0"/>
@@ -3582,8 +4006,8 @@
         </p:blipFill>
         <p:spPr bwMode="auto">
           <a:xfrm>
-            <a:off x="9102756" y="4219965"/>
-            <a:ext cx="3013044" cy="1285317"/>
+            <a:off x="3328954" y="4981193"/>
+            <a:ext cx="2223241" cy="1181860"/>
           </a:xfrm>
           <a:prstGeom prst="rect">
             <a:avLst/>
@@ -3600,88 +4024,186 @@
           </a:extLst>
         </p:spPr>
       </p:pic>
-      <p:pic>
-        <p:nvPicPr>
-          <p:cNvPr id="1048" name="Picture 24" descr="http://www.terminalinteractive.com/wp-content/uploads/2014/07/golang-logo.png"/>
-          <p:cNvPicPr>
-            <a:picLocks noChangeAspect="1" noChangeArrowheads="1"/>
-          </p:cNvPicPr>
-          <p:nvPr/>
-        </p:nvPicPr>
-        <p:blipFill>
-          <a:blip r:embed="rId12">
+      <p:sp>
+        <p:nvSpPr>
+          <p:cNvPr id="39" name="Content Placeholder 2">
             <a:extLst>
-              <a:ext uri="{28A0092B-C50C-407E-A947-70E740481C1C}">
-                <a14:useLocalDpi xmlns:a14="http://schemas.microsoft.com/office/drawing/2010/main" val="0"/>
+              <a:ext uri="{FF2B5EF4-FFF2-40B4-BE49-F238E27FC236}">
+                <a16:creationId xmlns:a16="http://schemas.microsoft.com/office/drawing/2014/main" id="{BB158B4C-4B0D-4658-954C-128D7915E18F}"/>
               </a:ext>
             </a:extLst>
-          </a:blip>
-          <a:srcRect/>
-          <a:stretch>
-            <a:fillRect/>
-          </a:stretch>
-        </p:blipFill>
-        <p:spPr bwMode="auto">
+          </p:cNvPr>
+          <p:cNvSpPr>
+            <a:spLocks noGrp="1"/>
+          </p:cNvSpPr>
+          <p:nvPr>
+            <p:ph idx="1"/>
+          </p:nvPr>
+        </p:nvSpPr>
+        <p:spPr>
           <a:xfrm>
-            <a:off x="4998919" y="5767349"/>
-            <a:ext cx="1944478" cy="683514"/>
+            <a:off x="838200" y="2121247"/>
+            <a:ext cx="10515600" cy="4285529"/>
           </a:xfrm>
-          <a:prstGeom prst="rect">
-            <a:avLst/>
-          </a:prstGeom>
-          <a:noFill/>
-          <a:extLst>
-            <a:ext uri="{909E8E84-426E-40DD-AFC4-6F175D3DCCD1}">
-              <a14:hiddenFill xmlns:a14="http://schemas.microsoft.com/office/drawing/2010/main">
-                <a:solidFill>
-                  <a:srgbClr val="FFFFFF"/>
-                </a:solidFill>
-              </a14:hiddenFill>
-            </a:ext>
-          </a:extLst>
         </p:spPr>
-      </p:pic>
-      <p:pic>
-        <p:nvPicPr>
-          <p:cNvPr id="1050" name="Picture 26" descr="https://cetatech.ceta-ciemat.es/wp-content/uploads/2015/02/android-studio-logo.jpg"/>
-          <p:cNvPicPr>
-            <a:picLocks noChangeAspect="1" noChangeArrowheads="1"/>
-          </p:cNvPicPr>
-          <p:nvPr/>
-        </p:nvPicPr>
-        <p:blipFill>
-          <a:blip r:embed="rId13">
-            <a:extLst>
-              <a:ext uri="{28A0092B-C50C-407E-A947-70E740481C1C}">
-                <a14:useLocalDpi xmlns:a14="http://schemas.microsoft.com/office/drawing/2010/main" val="0"/>
-              </a:ext>
-            </a:extLst>
-          </a:blip>
-          <a:srcRect/>
-          <a:stretch>
-            <a:fillRect/>
-          </a:stretch>
-        </p:blipFill>
-        <p:spPr bwMode="auto">
-          <a:xfrm>
-            <a:off x="2105565" y="5703045"/>
-            <a:ext cx="2175893" cy="916983"/>
-          </a:xfrm>
-          <a:prstGeom prst="rect">
-            <a:avLst/>
-          </a:prstGeom>
-          <a:noFill/>
-          <a:extLst>
-            <a:ext uri="{909E8E84-426E-40DD-AFC4-6F175D3DCCD1}">
-              <a14:hiddenFill xmlns:a14="http://schemas.microsoft.com/office/drawing/2010/main">
-                <a:solidFill>
-                  <a:srgbClr val="FFFFFF"/>
-                </a:solidFill>
-              </a14:hiddenFill>
-            </a:ext>
-          </a:extLst>
-        </p:spPr>
-      </p:pic>
+        <p:txBody>
+          <a:bodyPr/>
+          <a:lstStyle/>
+          <a:p>
+            <a:pPr marL="0" indent="0">
+              <a:lnSpc>
+                <a:spcPct val="100000"/>
+              </a:lnSpc>
+              <a:spcBef>
+                <a:spcPts val="0"/>
+              </a:spcBef>
+              <a:buNone/>
+            </a:pPr>
+            <a:r>
+              <a:rPr lang="en-US" dirty="0"/>
+              <a:t>                            </a:t>
+            </a:r>
+          </a:p>
+          <a:p>
+            <a:pPr marL="0" indent="0">
+              <a:lnSpc>
+                <a:spcPct val="100000"/>
+              </a:lnSpc>
+              <a:spcBef>
+                <a:spcPts val="0"/>
+              </a:spcBef>
+              <a:buNone/>
+            </a:pPr>
+            <a:endParaRPr lang="en-US" sz="1800" dirty="0"/>
+          </a:p>
+          <a:p>
+            <a:pPr marL="0" indent="0">
+              <a:lnSpc>
+                <a:spcPct val="100000"/>
+              </a:lnSpc>
+              <a:spcBef>
+                <a:spcPts val="0"/>
+              </a:spcBef>
+              <a:buNone/>
+            </a:pPr>
+            <a:r>
+              <a:rPr lang="en-US" sz="1800" dirty="0"/>
+              <a:t>repository, scrum management        communication, updates, tracking                             database </a:t>
+            </a:r>
+          </a:p>
+          <a:p>
+            <a:pPr marL="0" indent="0">
+              <a:lnSpc>
+                <a:spcPct val="100000"/>
+              </a:lnSpc>
+              <a:spcBef>
+                <a:spcPts val="0"/>
+              </a:spcBef>
+              <a:buNone/>
+            </a:pPr>
+            <a:endParaRPr lang="en-US" sz="1800" dirty="0"/>
+          </a:p>
+          <a:p>
+            <a:pPr marL="0" indent="0">
+              <a:lnSpc>
+                <a:spcPct val="100000"/>
+              </a:lnSpc>
+              <a:spcBef>
+                <a:spcPts val="0"/>
+              </a:spcBef>
+              <a:buNone/>
+            </a:pPr>
+            <a:endParaRPr lang="en-US" sz="1800" dirty="0"/>
+          </a:p>
+          <a:p>
+            <a:pPr marL="0" indent="0">
+              <a:lnSpc>
+                <a:spcPct val="100000"/>
+              </a:lnSpc>
+              <a:spcBef>
+                <a:spcPts val="0"/>
+              </a:spcBef>
+              <a:buNone/>
+            </a:pPr>
+            <a:endParaRPr lang="en-US" sz="1800" dirty="0"/>
+          </a:p>
+          <a:p>
+            <a:pPr marL="0" indent="0">
+              <a:lnSpc>
+                <a:spcPct val="100000"/>
+              </a:lnSpc>
+              <a:spcBef>
+                <a:spcPts val="0"/>
+              </a:spcBef>
+              <a:buNone/>
+            </a:pPr>
+            <a:r>
+              <a:rPr lang="en-US" sz="1800" dirty="0"/>
+              <a:t>                               </a:t>
+            </a:r>
+          </a:p>
+          <a:p>
+            <a:pPr marL="0" indent="0">
+              <a:lnSpc>
+                <a:spcPct val="100000"/>
+              </a:lnSpc>
+              <a:spcBef>
+                <a:spcPts val="0"/>
+              </a:spcBef>
+              <a:buNone/>
+            </a:pPr>
+            <a:r>
+              <a:rPr lang="en-US" sz="1800" dirty="0"/>
+              <a:t>                       storage, hosting                                                virtual machine                     web scrapping  </a:t>
+            </a:r>
+          </a:p>
+          <a:p>
+            <a:pPr marL="0" indent="0">
+              <a:buNone/>
+            </a:pPr>
+            <a:endParaRPr lang="en-US" sz="1800" dirty="0"/>
+          </a:p>
+          <a:p>
+            <a:pPr marL="0" indent="0">
+              <a:buNone/>
+            </a:pPr>
+            <a:endParaRPr lang="en-US" sz="1800" dirty="0"/>
+          </a:p>
+          <a:p>
+            <a:pPr marL="0" indent="0">
+              <a:buNone/>
+            </a:pPr>
+            <a:endParaRPr lang="en-US" sz="1800" dirty="0"/>
+          </a:p>
+          <a:p>
+            <a:pPr marL="0" indent="0">
+              <a:buNone/>
+            </a:pPr>
+            <a:r>
+              <a:rPr lang="en-US" sz="1800" dirty="0"/>
+              <a:t>           daily scripts                      main scripts                   predictive modeling               data collections</a:t>
+            </a:r>
+          </a:p>
+          <a:p>
+            <a:pPr marL="0" indent="0">
+              <a:buNone/>
+            </a:pPr>
+            <a:endParaRPr lang="en-US" dirty="0"/>
+          </a:p>
+          <a:p>
+            <a:pPr marL="0" indent="0">
+              <a:buNone/>
+            </a:pPr>
+            <a:endParaRPr lang="en-US" dirty="0"/>
+          </a:p>
+          <a:p>
+            <a:pPr marL="0" indent="0" algn="ctr">
+              <a:buNone/>
+            </a:pPr>
+            <a:endParaRPr lang="en-US" dirty="0"/>
+          </a:p>
+        </p:txBody>
+      </p:sp>
     </p:spTree>
     <p:extLst>
       <p:ext uri="{BB962C8B-B14F-4D97-AF65-F5344CB8AC3E}">
@@ -3730,14 +4252,9 @@
           <a:lstStyle/>
           <a:p>
             <a:r>
-              <a:rPr lang="en-US" dirty="0" smtClean="0"/>
-              <a:t>Elaborate further on some of the technologies</a:t>
-            </a:r>
-            <a:r>
-              <a:rPr lang="en-US" dirty="0" smtClean="0"/>
-              <a:t>…</a:t>
-            </a:r>
-            <a:endParaRPr lang="en-US" dirty="0"/>
+              <a:rPr lang="en-US" dirty="0"/>
+              <a:t>TECHNOLOGIES</a:t>
+            </a:r>
           </a:p>
         </p:txBody>
       </p:sp>
@@ -3780,46 +4297,20 @@
                   <a:srgbClr val="C00000"/>
                 </a:solidFill>
               </a:rPr>
-              <a:t> SLIDE THAT ONLY A COMPUTER </a:t>
-            </a:r>
-            <a:r>
-              <a:rPr lang="en-US" b="1" dirty="0" smtClean="0">
-                <a:solidFill>
-                  <a:srgbClr val="C00000"/>
-                </a:solidFill>
-              </a:rPr>
-              <a:t>SCIENTISTS WOULD UNDERSTAND OR APPRECIATE.</a:t>
-            </a:r>
-          </a:p>
-          <a:p>
-            <a:r>
-              <a:rPr lang="en-US" dirty="0" smtClean="0"/>
-              <a:t>So</a:t>
-            </a:r>
-            <a:r>
-              <a:rPr lang="en-US" dirty="0" smtClean="0"/>
-              <a:t>, possibly on this slide, and </a:t>
-            </a:r>
-            <a:r>
-              <a:rPr lang="en-US" dirty="0" smtClean="0"/>
-              <a:t>one more </a:t>
-            </a:r>
-            <a:r>
-              <a:rPr lang="en-US" dirty="0" smtClean="0"/>
-              <a:t>slides, you could further elaborate on one or more of the main technologies you might be using.  For example, screen shots, sample code, explanations of what “Go” is and how it works. </a:t>
-            </a:r>
-            <a:r>
-              <a:rPr lang="en-US" dirty="0" smtClean="0"/>
-              <a:t>Or, you could show a screen shot of your development tool and point out some very neat part of the code. </a:t>
-            </a:r>
-            <a:endParaRPr lang="en-US" dirty="0" smtClean="0"/>
-          </a:p>
-          <a:p>
-            <a:r>
-              <a:rPr lang="en-US" dirty="0" smtClean="0"/>
+              <a:t> SLIDE THAT ONLY A COMPUTER SCIENTISTS WOULD UNDERSTAND OR APPRECIATE.</a:t>
+            </a:r>
+          </a:p>
+          <a:p>
+            <a:r>
+              <a:rPr lang="en-US" dirty="0"/>
+              <a:t>So, possibly on this slide, and one more slides, you could further elaborate on one or more of the main technologies you might be using.  For example, screen shots, sample code, explanations of what “Go” is and how it works. Or, you could show a screen shot of your development tool and point out some very neat part of the code. </a:t>
+            </a:r>
+          </a:p>
+          <a:p>
+            <a:r>
+              <a:rPr lang="en-US" dirty="0"/>
               <a:t>The side-purpose of the presentation is to introduce the whole class to numerous technologies that we might not know anything about. So that, somebody might say to themselves: “Hmmm… I want to learn about this ‘Go’ thingy…”</a:t>
             </a:r>
-            <a:endParaRPr lang="en-US" dirty="0"/>
           </a:p>
         </p:txBody>
       </p:sp>
@@ -3869,22 +4360,9 @@
           <a:lstStyle/>
           <a:p>
             <a:r>
-              <a:rPr lang="en-US" dirty="0" smtClean="0"/>
-              <a:t>ONE SLIDE: Describe </a:t>
-            </a:r>
-            <a:r>
-              <a:rPr lang="en-US" dirty="0" smtClean="0"/>
-              <a:t>the </a:t>
-            </a:r>
-            <a:r>
-              <a:rPr lang="en-US" dirty="0" smtClean="0"/>
-              <a:t>Semester-long Scrum Process</a:t>
-            </a:r>
-            <a:r>
-              <a:rPr lang="en-US" dirty="0" smtClean="0"/>
-              <a:t>	</a:t>
-            </a:r>
-            <a:endParaRPr lang="en-US" dirty="0"/>
+              <a:rPr lang="en-US" dirty="0"/>
+              <a:t>ONE SLIDE: Describe the Semester-long Scrum Process	</a:t>
+            </a:r>
           </a:p>
         </p:txBody>
       </p:sp>
@@ -3903,27 +4381,42 @@
           <a:bodyPr/>
           <a:lstStyle/>
           <a:p>
-            <a:r>
-              <a:rPr lang="en-US" dirty="0" smtClean="0"/>
-              <a:t>List </a:t>
-            </a:r>
-            <a:r>
-              <a:rPr lang="en-US" dirty="0" err="1" smtClean="0"/>
-              <a:t>approx</a:t>
-            </a:r>
-            <a:r>
-              <a:rPr lang="en-US" dirty="0" smtClean="0"/>
-              <a:t> time line of sprints, who was Scrum master and when, notable accomplishments each sprint and current status </a:t>
-            </a:r>
-          </a:p>
-          <a:p>
+            <a:pPr marL="0" indent="0">
+              <a:buNone/>
+            </a:pPr>
             <a:r>
               <a:rPr lang="en-US" dirty="0"/>
-              <a:t>I</a:t>
-            </a:r>
-            <a:r>
-              <a:rPr lang="en-US" dirty="0" smtClean="0"/>
-              <a:t>f your project is not completely done, then say when the burndown chart for your last sprint projects you to be done. Show it as a pic.</a:t>
+              <a:t>The Project was divided into 3 Sprints:</a:t>
+            </a:r>
+          </a:p>
+          <a:p>
+            <a:pPr marL="342900" indent="-342900">
+              <a:buFont typeface="+mj-lt"/>
+              <a:buAutoNum type="arabicPeriod"/>
+            </a:pPr>
+            <a:r>
+              <a:rPr lang="en-US" dirty="0"/>
+              <a:t>Sprint 1: web Scrapping and putting the data into database</a:t>
+            </a:r>
+          </a:p>
+          <a:p>
+            <a:pPr marL="342900" indent="-342900">
+              <a:buFont typeface="+mj-lt"/>
+              <a:buAutoNum type="arabicPeriod"/>
+            </a:pPr>
+            <a:r>
+              <a:rPr lang="en-US" dirty="0"/>
+              <a:t>Sprint 2: prepare data and build predictive models</a:t>
+            </a:r>
+          </a:p>
+          <a:p>
+            <a:pPr marL="342900" indent="-342900">
+              <a:buFont typeface="+mj-lt"/>
+              <a:buAutoNum type="arabicPeriod"/>
+            </a:pPr>
+            <a:r>
+              <a:rPr lang="en-US" dirty="0"/>
+              <a:t>Sprint 3: final touch ups. Script the e-mail (final deliverable)	</a:t>
             </a:r>
           </a:p>
         </p:txBody>
@@ -3974,50 +4467,42 @@
           <a:lstStyle/>
           <a:p>
             <a:r>
-              <a:rPr lang="en-US" dirty="0" smtClean="0"/>
+              <a:rPr lang="en-US" dirty="0"/>
               <a:t>More details about the project</a:t>
             </a:r>
-            <a:endParaRPr lang="en-US" dirty="0"/>
-          </a:p>
-        </p:txBody>
-      </p:sp>
-      <p:sp>
-        <p:nvSpPr>
-          <p:cNvPr id="3" name="Content Placeholder 2"/>
-          <p:cNvSpPr>
-            <a:spLocks noGrp="1"/>
-          </p:cNvSpPr>
-          <p:nvPr>
-            <p:ph idx="1"/>
-          </p:nvPr>
-        </p:nvSpPr>
-        <p:spPr/>
-        <p:txBody>
-          <a:bodyPr/>
-          <a:lstStyle/>
-          <a:p>
-            <a:r>
-              <a:rPr lang="en-US" dirty="0" smtClean="0"/>
-              <a:t>Give a status update on what you can accomplished and what still need to happen. </a:t>
-            </a:r>
-          </a:p>
-          <a:p>
-            <a:r>
-              <a:rPr lang="en-US" dirty="0" smtClean="0"/>
-              <a:t>You could have a few slides here that detail everything you have done so far… Maybe even show key screen shots of the app, or underlying code. </a:t>
-            </a:r>
-          </a:p>
-          <a:p>
-            <a:r>
-              <a:rPr lang="en-US" dirty="0" smtClean="0"/>
-              <a:t>This slide or set of slides can intermingle with the following slide set on challenges and triumphs…</a:t>
-            </a:r>
-          </a:p>
-          <a:p>
-            <a:endParaRPr lang="en-US" dirty="0"/>
-          </a:p>
-        </p:txBody>
-      </p:sp>
+          </a:p>
+        </p:txBody>
+      </p:sp>
+      <p:pic>
+        <p:nvPicPr>
+          <p:cNvPr id="4" name="Picture 3">
+            <a:extLst>
+              <a:ext uri="{FF2B5EF4-FFF2-40B4-BE49-F238E27FC236}">
+                <a16:creationId xmlns:a16="http://schemas.microsoft.com/office/drawing/2014/main" id="{F06CF21E-C5EB-4049-A5D7-F87444D8E3E3}"/>
+              </a:ext>
+            </a:extLst>
+          </p:cNvPr>
+          <p:cNvPicPr>
+            <a:picLocks noChangeAspect="1"/>
+          </p:cNvPicPr>
+          <p:nvPr/>
+        </p:nvPicPr>
+        <p:blipFill>
+          <a:blip r:embed="rId2"/>
+          <a:stretch>
+            <a:fillRect/>
+          </a:stretch>
+        </p:blipFill>
+        <p:spPr>
+          <a:xfrm>
+            <a:off x="1870635" y="2571717"/>
+            <a:ext cx="8450729" cy="3720102"/>
+          </a:xfrm>
+          <a:prstGeom prst="rect">
+            <a:avLst/>
+          </a:prstGeom>
+        </p:spPr>
+      </p:pic>
     </p:spTree>
     <p:extLst>
       <p:ext uri="{BB962C8B-B14F-4D97-AF65-F5344CB8AC3E}">
@@ -4064,10 +4549,9 @@
           <a:lstStyle/>
           <a:p>
             <a:r>
-              <a:rPr lang="en-US" dirty="0" smtClean="0"/>
+              <a:rPr lang="en-US" dirty="0"/>
               <a:t>Challenges and triumphs</a:t>
             </a:r>
-            <a:endParaRPr lang="en-US" dirty="0"/>
           </a:p>
         </p:txBody>
       </p:sp>
@@ -4087,51 +4571,33 @@
           <a:lstStyle/>
           <a:p>
             <a:r>
-              <a:rPr lang="en-US" dirty="0" smtClean="0"/>
-              <a:t>What all has gone wrong so far</a:t>
-            </a:r>
-          </a:p>
-          <a:p>
-            <a:pPr lvl="1"/>
-            <a:r>
-              <a:rPr lang="en-US" dirty="0" smtClean="0"/>
-              <a:t>Tried one technology but then switched, because…</a:t>
-            </a:r>
-          </a:p>
-          <a:p>
-            <a:r>
-              <a:rPr lang="en-US" dirty="0" smtClean="0"/>
-              <a:t>What new technologies did you learn</a:t>
-            </a:r>
-          </a:p>
-          <a:p>
-            <a:r>
-              <a:rPr lang="en-US" dirty="0" smtClean="0"/>
-              <a:t>What all has gone right</a:t>
-            </a:r>
-          </a:p>
-          <a:p>
-            <a:r>
-              <a:rPr lang="en-US" dirty="0" smtClean="0"/>
-              <a:t>What has been a struggle</a:t>
-            </a:r>
-          </a:p>
-          <a:p>
-            <a:r>
-              <a:rPr lang="en-US" dirty="0" smtClean="0"/>
-              <a:t>What has been really cool about this process/project</a:t>
-            </a:r>
-          </a:p>
-          <a:p>
-            <a:r>
-              <a:rPr lang="en-US" dirty="0" err="1" smtClean="0"/>
-              <a:t>Etc</a:t>
-            </a:r>
-            <a:r>
-              <a:rPr lang="en-US" dirty="0" smtClean="0"/>
-              <a:t>…</a:t>
-            </a:r>
-            <a:endParaRPr lang="en-US" dirty="0"/>
+              <a:rPr lang="en-US" dirty="0"/>
+              <a:t>Katie’s issue with </a:t>
+            </a:r>
+            <a:r>
+              <a:rPr lang="en-US" dirty="0" err="1"/>
+              <a:t>json</a:t>
+            </a:r>
+            <a:r>
+              <a:rPr lang="en-US" dirty="0"/>
+              <a:t> files</a:t>
+            </a:r>
+          </a:p>
+          <a:p>
+            <a:r>
+              <a:rPr lang="en-US" dirty="0"/>
+              <a:t>Learned Node.js</a:t>
+            </a:r>
+          </a:p>
+          <a:p>
+            <a:r>
+              <a:rPr lang="en-US" dirty="0" err="1"/>
+              <a:t>Gogle</a:t>
+            </a:r>
+            <a:r>
+              <a:rPr lang="en-US" dirty="0"/>
+              <a:t> Cloud storage space</a:t>
+            </a:r>
           </a:p>
         </p:txBody>
       </p:sp>
@@ -4181,10 +4647,9 @@
           <a:lstStyle/>
           <a:p>
             <a:r>
-              <a:rPr lang="en-US" dirty="0" smtClean="0"/>
+              <a:rPr lang="en-US" dirty="0"/>
               <a:t>Live demo of current state of the software</a:t>
             </a:r>
-            <a:endParaRPr lang="en-US" dirty="0"/>
           </a:p>
         </p:txBody>
       </p:sp>
@@ -4204,22 +4669,21 @@
           <a:lstStyle/>
           <a:p>
             <a:r>
-              <a:rPr lang="en-US" dirty="0" smtClean="0"/>
+              <a:rPr lang="en-US" dirty="0"/>
               <a:t>This is super important…. So, be sure not to break your code before presentation day. Fork often so that you have backups of working versions of the project.</a:t>
             </a:r>
           </a:p>
           <a:p>
             <a:r>
-              <a:rPr lang="en-US" dirty="0" smtClean="0"/>
+              <a:rPr lang="en-US" dirty="0"/>
               <a:t>Make sure for the mid-term, and especially the final presentation, you have a working live demo.</a:t>
             </a:r>
           </a:p>
           <a:p>
             <a:r>
-              <a:rPr lang="en-US" dirty="0" smtClean="0"/>
+              <a:rPr lang="en-US" dirty="0"/>
               <a:t>Your presentation ends with the live demo and afterwards you can ask the audience for questions.  </a:t>
             </a:r>
-            <a:endParaRPr lang="en-US" dirty="0"/>
           </a:p>
         </p:txBody>
       </p:sp>
@@ -4237,91 +4701,58 @@
 </file>
 
 <file path=ppt/theme/theme1.xml><?xml version="1.0" encoding="utf-8"?>
-<a:theme xmlns:a="http://schemas.openxmlformats.org/drawingml/2006/main" name="Office Theme">
+<a:theme xmlns:a="http://schemas.openxmlformats.org/drawingml/2006/main" name="Parcel">
   <a:themeElements>
-    <a:clrScheme name="Office">
+    <a:clrScheme name="Parcel">
       <a:dk1>
-        <a:sysClr val="windowText" lastClr="000000"/>
+        <a:srgbClr val="000000"/>
       </a:dk1>
       <a:lt1>
-        <a:sysClr val="window" lastClr="FFFFFF"/>
+        <a:srgbClr val="FFFFFF"/>
       </a:lt1>
       <a:dk2>
-        <a:srgbClr val="44546A"/>
+        <a:srgbClr val="4A5356"/>
       </a:dk2>
       <a:lt2>
-        <a:srgbClr val="E7E6E6"/>
+        <a:srgbClr val="E8E3CE"/>
       </a:lt2>
       <a:accent1>
-        <a:srgbClr val="5B9BD5"/>
+        <a:srgbClr val="F6A21D"/>
       </a:accent1>
       <a:accent2>
-        <a:srgbClr val="ED7D31"/>
+        <a:srgbClr val="9BAFB5"/>
       </a:accent2>
       <a:accent3>
-        <a:srgbClr val="A5A5A5"/>
+        <a:srgbClr val="C96731"/>
       </a:accent3>
       <a:accent4>
-        <a:srgbClr val="FFC000"/>
+        <a:srgbClr val="9CA383"/>
       </a:accent4>
       <a:accent5>
-        <a:srgbClr val="4472C4"/>
+        <a:srgbClr val="87795D"/>
       </a:accent5>
       <a:accent6>
-        <a:srgbClr val="70AD47"/>
+        <a:srgbClr val="A0988C"/>
       </a:accent6>
       <a:hlink>
-        <a:srgbClr val="0563C1"/>
+        <a:srgbClr val="00B0F0"/>
       </a:hlink>
       <a:folHlink>
-        <a:srgbClr val="954F72"/>
+        <a:srgbClr val="738F97"/>
       </a:folHlink>
     </a:clrScheme>
-    <a:fontScheme name="Office">
+    <a:fontScheme name="Parcel">
       <a:majorFont>
-        <a:latin typeface="Calibri Light" panose="020F0302020204030204"/>
+        <a:latin typeface="Gill Sans MT" panose="020B0502020104020203"/>
         <a:ea typeface=""/>
         <a:cs typeface=""/>
-        <a:font script="Jpan" typeface="ＭＳ Ｐゴシック"/>
-        <a:font script="Hang" typeface="맑은 고딕"/>
-        <a:font script="Hans" typeface="宋体"/>
-        <a:font script="Hant" typeface="新細明體"/>
-        <a:font script="Arab" typeface="Times New Roman"/>
-        <a:font script="Hebr" typeface="Times New Roman"/>
-        <a:font script="Thai" typeface="Angsana New"/>
-        <a:font script="Ethi" typeface="Nyala"/>
-        <a:font script="Beng" typeface="Vrinda"/>
-        <a:font script="Gujr" typeface="Shruti"/>
-        <a:font script="Khmr" typeface="MoolBoran"/>
-        <a:font script="Knda" typeface="Tunga"/>
-        <a:font script="Guru" typeface="Raavi"/>
-        <a:font script="Cans" typeface="Euphemia"/>
-        <a:font script="Cher" typeface="Plantagenet Cherokee"/>
-        <a:font script="Yiii" typeface="Microsoft Yi Baiti"/>
-        <a:font script="Tibt" typeface="Microsoft Himalaya"/>
-        <a:font script="Thaa" typeface="MV Boli"/>
-        <a:font script="Deva" typeface="Mangal"/>
-        <a:font script="Telu" typeface="Gautami"/>
-        <a:font script="Taml" typeface="Latha"/>
-        <a:font script="Syrc" typeface="Estrangelo Edessa"/>
-        <a:font script="Orya" typeface="Kalinga"/>
-        <a:font script="Mlym" typeface="Kartika"/>
-        <a:font script="Laoo" typeface="DokChampa"/>
-        <a:font script="Sinh" typeface="Iskoola Pota"/>
-        <a:font script="Mong" typeface="Mongolian Baiti"/>
-        <a:font script="Viet" typeface="Times New Roman"/>
-        <a:font script="Uigh" typeface="Microsoft Uighur"/>
-        <a:font script="Geor" typeface="Sylfaen"/>
-      </a:majorFont>
-      <a:minorFont>
-        <a:latin typeface="Calibri" panose="020F0502020204030204"/>
-        <a:ea typeface=""/>
-        <a:cs typeface=""/>
-        <a:font script="Jpan" typeface="ＭＳ Ｐゴシック"/>
-        <a:font script="Hang" typeface="맑은 고딕"/>
-        <a:font script="Hans" typeface="宋体"/>
-        <a:font script="Hant" typeface="新細明體"/>
-        <a:font script="Arab" typeface="Arial"/>
+        <a:font script="Grek" typeface="Corbel"/>
+        <a:font script="Cyrl" typeface="Corbel"/>
+        <a:font script="Jpan" typeface="HGｺﾞｼｯｸE"/>
+        <a:font script="Hang" typeface="휴먼매직체"/>
+        <a:font script="Hans" typeface="华文中宋"/>
+        <a:font script="Hant" typeface="微軟正黑體"/>
+        <a:font script="Arab" typeface="Majalla UI"/>
         <a:font script="Hebr" typeface="Arial"/>
         <a:font script="Thai" typeface="Cordia New"/>
         <a:font script="Ethi" typeface="Nyala"/>
@@ -4344,12 +4775,49 @@
         <a:font script="Laoo" typeface="DokChampa"/>
         <a:font script="Sinh" typeface="Iskoola Pota"/>
         <a:font script="Mong" typeface="Mongolian Baiti"/>
-        <a:font script="Viet" typeface="Arial"/>
+        <a:font script="Viet" typeface="Tahoma"/>
+        <a:font script="Uigh" typeface="Microsoft Uighur"/>
+        <a:font script="Geor" typeface="Sylfaen"/>
+      </a:majorFont>
+      <a:minorFont>
+        <a:latin typeface="Gill Sans MT" panose="020B0502020104020203"/>
+        <a:ea typeface=""/>
+        <a:cs typeface=""/>
+        <a:font script="Grek" typeface="Corbel"/>
+        <a:font script="Cyrl" typeface="Corbel"/>
+        <a:font script="Jpan" typeface="HGｺﾞｼｯｸE"/>
+        <a:font script="Hang" typeface="휴먼매직체"/>
+        <a:font script="Hans" typeface="华文中宋"/>
+        <a:font script="Hant" typeface="微軟正黑體"/>
+        <a:font script="Arab" typeface="Majalla UI"/>
+        <a:font script="Hebr" typeface="Arial"/>
+        <a:font script="Thai" typeface="Cordia New"/>
+        <a:font script="Ethi" typeface="Nyala"/>
+        <a:font script="Beng" typeface="Vrinda"/>
+        <a:font script="Gujr" typeface="Shruti"/>
+        <a:font script="Khmr" typeface="DaunPenh"/>
+        <a:font script="Knda" typeface="Tunga"/>
+        <a:font script="Guru" typeface="Raavi"/>
+        <a:font script="Cans" typeface="Euphemia"/>
+        <a:font script="Cher" typeface="Plantagenet Cherokee"/>
+        <a:font script="Yiii" typeface="Microsoft Yi Baiti"/>
+        <a:font script="Tibt" typeface="Microsoft Himalaya"/>
+        <a:font script="Thaa" typeface="MV Boli"/>
+        <a:font script="Deva" typeface="Mangal"/>
+        <a:font script="Telu" typeface="Gautami"/>
+        <a:font script="Taml" typeface="Latha"/>
+        <a:font script="Syrc" typeface="Estrangelo Edessa"/>
+        <a:font script="Orya" typeface="Kalinga"/>
+        <a:font script="Mlym" typeface="Kartika"/>
+        <a:font script="Laoo" typeface="DokChampa"/>
+        <a:font script="Sinh" typeface="Iskoola Pota"/>
+        <a:font script="Mong" typeface="Mongolian Baiti"/>
+        <a:font script="Viet" typeface="Tahoma"/>
         <a:font script="Uigh" typeface="Microsoft Uighur"/>
         <a:font script="Geor" typeface="Sylfaen"/>
       </a:minorFont>
     </a:fontScheme>
-    <a:fmtScheme name="Office">
+    <a:fmtScheme name="Parcel">
       <a:fillStyleLst>
         <a:solidFill>
           <a:schemeClr val="phClr"/>
@@ -4358,23 +4826,16 @@
           <a:gsLst>
             <a:gs pos="0">
               <a:schemeClr val="phClr">
-                <a:lumMod val="110000"/>
-                <a:satMod val="105000"/>
-                <a:tint val="67000"/>
-              </a:schemeClr>
-            </a:gs>
-            <a:gs pos="50000">
-              <a:schemeClr val="phClr">
-                <a:lumMod val="105000"/>
-                <a:satMod val="103000"/>
-                <a:tint val="73000"/>
+                <a:tint val="80000"/>
+                <a:satMod val="107000"/>
+                <a:lumMod val="103000"/>
               </a:schemeClr>
             </a:gs>
             <a:gs pos="100000">
               <a:schemeClr val="phClr">
-                <a:lumMod val="105000"/>
+                <a:tint val="82000"/>
                 <a:satMod val="109000"/>
-                <a:tint val="81000"/>
+                <a:lumMod val="103000"/>
               </a:schemeClr>
             </a:gs>
           </a:gsLst>
@@ -4384,23 +4845,23 @@
           <a:gsLst>
             <a:gs pos="0">
               <a:schemeClr val="phClr">
-                <a:satMod val="103000"/>
+                <a:tint val="97000"/>
+                <a:satMod val="100000"/>
                 <a:lumMod val="102000"/>
-                <a:tint val="94000"/>
               </a:schemeClr>
             </a:gs>
             <a:gs pos="50000">
               <a:schemeClr val="phClr">
-                <a:satMod val="110000"/>
+                <a:shade val="100000"/>
+                <a:satMod val="103000"/>
                 <a:lumMod val="100000"/>
-                <a:shade val="100000"/>
               </a:schemeClr>
             </a:gs>
             <a:gs pos="100000">
               <a:schemeClr val="phClr">
+                <a:shade val="93000"/>
+                <a:satMod val="110000"/>
                 <a:lumMod val="99000"/>
-                <a:satMod val="120000"/>
-                <a:shade val="78000"/>
               </a:schemeClr>
             </a:gs>
           </a:gsLst>
@@ -4413,21 +4874,18 @@
             <a:schemeClr val="phClr"/>
           </a:solidFill>
           <a:prstDash val="solid"/>
-          <a:miter lim="800000"/>
         </a:ln>
         <a:ln w="12700" cap="flat" cmpd="sng" algn="ctr">
           <a:solidFill>
             <a:schemeClr val="phClr"/>
           </a:solidFill>
           <a:prstDash val="solid"/>
-          <a:miter lim="800000"/>
         </a:ln>
-        <a:ln w="19050" cap="flat" cmpd="sng" algn="ctr">
+        <a:ln w="31750" cap="flat" cmpd="sng" algn="ctr">
           <a:solidFill>
             <a:schemeClr val="phClr"/>
           </a:solidFill>
           <a:prstDash val="solid"/>
-          <a:miter lim="800000"/>
         </a:ln>
       </a:lnStyleLst>
       <a:effectStyleLst>
@@ -4439,12 +4897,21 @@
         </a:effectStyle>
         <a:effectStyle>
           <a:effectLst>
-            <a:outerShdw blurRad="57150" dist="19050" dir="5400000" algn="ctr" rotWithShape="0">
+            <a:outerShdw blurRad="55880" dist="15240" dir="5400000" algn="ctr" rotWithShape="0">
               <a:srgbClr val="000000">
-                <a:alpha val="63000"/>
+                <a:alpha val="45000"/>
               </a:srgbClr>
             </a:outerShdw>
           </a:effectLst>
+          <a:scene3d>
+            <a:camera prst="orthographicFront">
+              <a:rot lat="0" lon="0" rev="0"/>
+            </a:camera>
+            <a:lightRig rig="brightRoom" dir="tl"/>
+          </a:scene3d>
+          <a:sp3d prstMaterial="dkEdge">
+            <a:bevelT w="0" h="0"/>
+          </a:sp3d>
         </a:effectStyle>
       </a:effectStyleLst>
       <a:bgFillStyleLst>
@@ -4461,28 +4928,24 @@
           <a:gsLst>
             <a:gs pos="0">
               <a:schemeClr val="phClr">
-                <a:tint val="93000"/>
-                <a:satMod val="150000"/>
-                <a:shade val="98000"/>
-                <a:lumMod val="102000"/>
-              </a:schemeClr>
-            </a:gs>
-            <a:gs pos="50000">
-              <a:schemeClr val="phClr">
-                <a:tint val="98000"/>
-                <a:satMod val="130000"/>
-                <a:shade val="90000"/>
-                <a:lumMod val="103000"/>
+                <a:tint val="97000"/>
+                <a:shade val="100000"/>
+                <a:satMod val="185000"/>
+                <a:lumMod val="120000"/>
               </a:schemeClr>
             </a:gs>
             <a:gs pos="100000">
               <a:schemeClr val="phClr">
-                <a:shade val="63000"/>
-                <a:satMod val="120000"/>
+                <a:tint val="96000"/>
+                <a:shade val="95000"/>
+                <a:satMod val="215000"/>
+                <a:lumMod val="80000"/>
               </a:schemeClr>
             </a:gs>
           </a:gsLst>
-          <a:lin ang="5400000" scaled="0"/>
+          <a:path path="circle">
+            <a:fillToRect l="50000" t="55000" r="125000" b="100000"/>
+          </a:path>
         </a:gradFill>
       </a:bgFillStyleLst>
     </a:fmtScheme>
@@ -4491,7 +4954,7 @@
   <a:extraClrSchemeLst/>
   <a:extLst>
     <a:ext uri="{05A4C25C-085E-4340-85A3-A5531E510DB2}">
-      <thm15:themeFamily xmlns:thm15="http://schemas.microsoft.com/office/thememl/2012/main" name="Office Theme" id="{62F939B6-93AF-4DB8-9C6B-D6C7DFDC589F}" vid="{4A3C46E8-61CC-4603-A589-7422A47A8E4A}"/>
+      <thm15:themeFamily xmlns:thm15="http://schemas.microsoft.com/office/thememl/2012/main" name="Parcel" id="{8BEC4385-4EB9-4D53-BFB5-0EA123736B6D}" vid="{4DB32801-28C0-48B0-8C1D-A9A58613615A}"/>
     </a:ext>
   </a:extLst>
 </a:theme>

--- a/midterm presentation/Presentation-StartingTemplate.pptx
+++ b/midterm presentation/Presentation-StartingTemplate.pptx
@@ -9,10 +9,12 @@
     <p:sldId id="257" r:id="rId3"/>
     <p:sldId id="258" r:id="rId4"/>
     <p:sldId id="259" r:id="rId5"/>
-    <p:sldId id="260" r:id="rId6"/>
-    <p:sldId id="261" r:id="rId7"/>
-    <p:sldId id="262" r:id="rId8"/>
-    <p:sldId id="263" r:id="rId9"/>
+    <p:sldId id="264" r:id="rId6"/>
+    <p:sldId id="265" r:id="rId7"/>
+    <p:sldId id="260" r:id="rId8"/>
+    <p:sldId id="261" r:id="rId9"/>
+    <p:sldId id="262" r:id="rId10"/>
+    <p:sldId id="263" r:id="rId11"/>
   </p:sldIdLst>
   <p:sldSz cx="12192000" cy="6858000"/>
   <p:notesSz cx="6858000" cy="9144000"/>
@@ -282,7 +284,7 @@
           <a:p>
             <a:fld id="{2B0A5030-1C0E-44AA-B0D4-0821B95E4F3C}" type="datetimeFigureOut">
               <a:rPr lang="en-US" smtClean="0"/>
-              <a:t>3/6/2018</a:t>
+              <a:t>3/11/18</a:t>
             </a:fld>
             <a:endParaRPr lang="en-US"/>
           </a:p>
@@ -452,7 +454,7 @@
           <a:p>
             <a:fld id="{2B0A5030-1C0E-44AA-B0D4-0821B95E4F3C}" type="datetimeFigureOut">
               <a:rPr lang="en-US" smtClean="0"/>
-              <a:t>3/6/2018</a:t>
+              <a:t>3/11/18</a:t>
             </a:fld>
             <a:endParaRPr lang="en-US"/>
           </a:p>
@@ -632,7 +634,7 @@
           <a:p>
             <a:fld id="{2B0A5030-1C0E-44AA-B0D4-0821B95E4F3C}" type="datetimeFigureOut">
               <a:rPr lang="en-US" smtClean="0"/>
-              <a:t>3/6/2018</a:t>
+              <a:t>3/11/18</a:t>
             </a:fld>
             <a:endParaRPr lang="en-US"/>
           </a:p>
@@ -802,7 +804,7 @@
           <a:p>
             <a:fld id="{2B0A5030-1C0E-44AA-B0D4-0821B95E4F3C}" type="datetimeFigureOut">
               <a:rPr lang="en-US" smtClean="0"/>
-              <a:t>3/6/2018</a:t>
+              <a:t>3/11/18</a:t>
             </a:fld>
             <a:endParaRPr lang="en-US"/>
           </a:p>
@@ -1070,7 +1072,7 @@
           <a:p>
             <a:fld id="{2B0A5030-1C0E-44AA-B0D4-0821B95E4F3C}" type="datetimeFigureOut">
               <a:rPr lang="en-US" smtClean="0"/>
-              <a:t>3/6/2018</a:t>
+              <a:t>3/11/18</a:t>
             </a:fld>
             <a:endParaRPr lang="en-US"/>
           </a:p>
@@ -1302,7 +1304,7 @@
           <a:p>
             <a:fld id="{2B0A5030-1C0E-44AA-B0D4-0821B95E4F3C}" type="datetimeFigureOut">
               <a:rPr lang="en-US" smtClean="0"/>
-              <a:t>3/6/2018</a:t>
+              <a:t>3/11/18</a:t>
             </a:fld>
             <a:endParaRPr lang="en-US"/>
           </a:p>
@@ -1661,7 +1663,7 @@
           <a:p>
             <a:fld id="{2B0A5030-1C0E-44AA-B0D4-0821B95E4F3C}" type="datetimeFigureOut">
               <a:rPr lang="en-US" smtClean="0"/>
-              <a:t>3/6/2018</a:t>
+              <a:t>3/11/18</a:t>
             </a:fld>
             <a:endParaRPr lang="en-US"/>
           </a:p>
@@ -1802,7 +1804,7 @@
           <a:p>
             <a:fld id="{2B0A5030-1C0E-44AA-B0D4-0821B95E4F3C}" type="datetimeFigureOut">
               <a:rPr lang="en-US" smtClean="0"/>
-              <a:t>3/6/2018</a:t>
+              <a:t>3/11/18</a:t>
             </a:fld>
             <a:endParaRPr lang="en-US"/>
           </a:p>
@@ -1897,7 +1899,7 @@
           <a:p>
             <a:fld id="{2B0A5030-1C0E-44AA-B0D4-0821B95E4F3C}" type="datetimeFigureOut">
               <a:rPr lang="en-US" smtClean="0"/>
-              <a:t>3/6/2018</a:t>
+              <a:t>3/11/18</a:t>
             </a:fld>
             <a:endParaRPr lang="en-US"/>
           </a:p>
@@ -2254,7 +2256,7 @@
           <a:p>
             <a:fld id="{2B0A5030-1C0E-44AA-B0D4-0821B95E4F3C}" type="datetimeFigureOut">
               <a:rPr lang="en-US" smtClean="0"/>
-              <a:t>3/6/2018</a:t>
+              <a:t>3/11/18</a:t>
             </a:fld>
             <a:endParaRPr lang="en-US"/>
           </a:p>
@@ -2611,7 +2613,7 @@
           <a:p>
             <a:fld id="{2B0A5030-1C0E-44AA-B0D4-0821B95E4F3C}" type="datetimeFigureOut">
               <a:rPr lang="en-US" smtClean="0"/>
-              <a:t>3/6/2018</a:t>
+              <a:t>3/11/18</a:t>
             </a:fld>
             <a:endParaRPr lang="en-US"/>
           </a:p>
@@ -2852,7 +2854,7 @@
           <a:p>
             <a:fld id="{2B0A5030-1C0E-44AA-B0D4-0821B95E4F3C}" type="datetimeFigureOut">
               <a:rPr lang="en-US" smtClean="0"/>
-              <a:t>3/6/2018</a:t>
+              <a:t>3/11/18</a:t>
             </a:fld>
             <a:endParaRPr lang="en-US"/>
           </a:p>
@@ -3364,15 +3366,7 @@
           <a:p>
             <a:r>
               <a:rPr lang="en-US" dirty="0"/>
-              <a:t>Katie </a:t>
-            </a:r>
-            <a:r>
-              <a:rPr lang="en-US" dirty="0" err="1"/>
-              <a:t>Balcewicz</a:t>
-            </a:r>
-            <a:r>
-              <a:rPr lang="en-US" dirty="0"/>
-              <a:t> (Data Science)</a:t>
+              <a:t>Katie Balcewicz (Data Science, Office of Admissions Student Data Model Builder)</a:t>
             </a:r>
           </a:p>
           <a:p>
@@ -3387,6 +3381,92 @@
     <p:extLst>
       <p:ext uri="{BB962C8B-B14F-4D97-AF65-F5344CB8AC3E}">
         <p14:creationId xmlns:p14="http://schemas.microsoft.com/office/powerpoint/2010/main" val="2146300153"/>
+      </p:ext>
+    </p:extLst>
+  </p:cSld>
+  <p:clrMapOvr>
+    <a:masterClrMapping/>
+  </p:clrMapOvr>
+</p:sld>
+</file>
+
+<file path=ppt/slides/slide10.xml><?xml version="1.0" encoding="utf-8"?>
+<p:sld xmlns:a="http://schemas.openxmlformats.org/drawingml/2006/main" xmlns:r="http://schemas.openxmlformats.org/officeDocument/2006/relationships" xmlns:p="http://schemas.openxmlformats.org/presentationml/2006/main">
+  <p:cSld>
+    <p:spTree>
+      <p:nvGrpSpPr>
+        <p:cNvPr id="1" name=""/>
+        <p:cNvGrpSpPr/>
+        <p:nvPr/>
+      </p:nvGrpSpPr>
+      <p:grpSpPr>
+        <a:xfrm>
+          <a:off x="0" y="0"/>
+          <a:ext cx="0" cy="0"/>
+          <a:chOff x="0" y="0"/>
+          <a:chExt cx="0" cy="0"/>
+        </a:xfrm>
+      </p:grpSpPr>
+      <p:sp>
+        <p:nvSpPr>
+          <p:cNvPr id="2" name="Title 1"/>
+          <p:cNvSpPr>
+            <a:spLocks noGrp="1"/>
+          </p:cNvSpPr>
+          <p:nvPr>
+            <p:ph type="title"/>
+          </p:nvPr>
+        </p:nvSpPr>
+        <p:spPr/>
+        <p:txBody>
+          <a:bodyPr/>
+          <a:lstStyle/>
+          <a:p>
+            <a:r>
+              <a:rPr lang="en-US" dirty="0"/>
+              <a:t>Live demo of current state of the software</a:t>
+            </a:r>
+          </a:p>
+        </p:txBody>
+      </p:sp>
+      <p:sp>
+        <p:nvSpPr>
+          <p:cNvPr id="3" name="Content Placeholder 2"/>
+          <p:cNvSpPr>
+            <a:spLocks noGrp="1"/>
+          </p:cNvSpPr>
+          <p:nvPr>
+            <p:ph idx="1"/>
+          </p:nvPr>
+        </p:nvSpPr>
+        <p:spPr/>
+        <p:txBody>
+          <a:bodyPr/>
+          <a:lstStyle/>
+          <a:p>
+            <a:r>
+              <a:rPr lang="en-US" dirty="0"/>
+              <a:t>This is super important…. So, be sure not to break your code before presentation day. Fork often so that you have backups of working versions of the project.</a:t>
+            </a:r>
+          </a:p>
+          <a:p>
+            <a:r>
+              <a:rPr lang="en-US" dirty="0"/>
+              <a:t>Make sure for the mid-term, and especially the final presentation, you have a working live demo.</a:t>
+            </a:r>
+          </a:p>
+          <a:p>
+            <a:r>
+              <a:rPr lang="en-US" dirty="0"/>
+              <a:t>Your presentation ends with the live demo and afterwards you can ask the audience for questions.  </a:t>
+            </a:r>
+          </a:p>
+        </p:txBody>
+      </p:sp>
+    </p:spTree>
+    <p:extLst>
+      <p:ext uri="{BB962C8B-B14F-4D97-AF65-F5344CB8AC3E}">
+        <p14:creationId xmlns:p14="http://schemas.microsoft.com/office/powerpoint/2010/main" val="2809060499"/>
       </p:ext>
     </p:extLst>
   </p:cSld>
@@ -3454,15 +3534,7 @@
           <a:p>
             <a:r>
               <a:rPr lang="en-US" dirty="0"/>
-              <a:t>Web-</a:t>
-            </a:r>
-            <a:r>
-              <a:rPr lang="en-US" dirty="0" err="1"/>
-              <a:t>scap</a:t>
-            </a:r>
-            <a:r>
-              <a:rPr lang="en-US" dirty="0"/>
-              <a:t> data from Apple and Android App Stores on top 500 trending gaming apps</a:t>
+              <a:t>Web-scrape data from Apple and Android App Stores on top 500 trending gaming apps</a:t>
             </a:r>
           </a:p>
           <a:p>
@@ -4154,7 +4226,7 @@
             </a:pPr>
             <a:r>
               <a:rPr lang="en-US" sz="1800" dirty="0"/>
-              <a:t>                       storage, hosting                                                virtual machine                     web scrapping  </a:t>
+              <a:t>                       storage, hosting                                                virtual machine                     web scraping  </a:t>
             </a:r>
           </a:p>
           <a:p>
@@ -4258,62 +4330,150 @@
           </a:p>
         </p:txBody>
       </p:sp>
-      <p:sp>
-        <p:nvSpPr>
-          <p:cNvPr id="3" name="Content Placeholder 2"/>
-          <p:cNvSpPr>
-            <a:spLocks noGrp="1"/>
-          </p:cNvSpPr>
-          <p:nvPr>
-            <p:ph idx="1"/>
-          </p:nvPr>
-        </p:nvSpPr>
-        <p:spPr/>
-        <p:txBody>
-          <a:bodyPr>
-            <a:normAutofit lnSpcReduction="10000"/>
-          </a:bodyPr>
-          <a:lstStyle/>
-          <a:p>
-            <a:r>
-              <a:rPr lang="en-US" b="1" dirty="0">
-                <a:solidFill>
-                  <a:srgbClr val="C00000"/>
-                </a:solidFill>
-              </a:rPr>
-              <a:t>THIS NEEDS TO BE A </a:t>
-            </a:r>
-            <a:r>
-              <a:rPr lang="en-US" b="1" u="sng" dirty="0">
-                <a:solidFill>
-                  <a:srgbClr val="C00000"/>
-                </a:solidFill>
-              </a:rPr>
-              <a:t>TECHNICAL</a:t>
-            </a:r>
-            <a:r>
-              <a:rPr lang="en-US" b="1" dirty="0">
-                <a:solidFill>
-                  <a:srgbClr val="C00000"/>
-                </a:solidFill>
-              </a:rPr>
-              <a:t> SLIDE THAT ONLY A COMPUTER SCIENTISTS WOULD UNDERSTAND OR APPRECIATE.</a:t>
-            </a:r>
-          </a:p>
-          <a:p>
-            <a:r>
-              <a:rPr lang="en-US" dirty="0"/>
-              <a:t>So, possibly on this slide, and one more slides, you could further elaborate on one or more of the main technologies you might be using.  For example, screen shots, sample code, explanations of what “Go” is and how it works. Or, you could show a screen shot of your development tool and point out some very neat part of the code. </a:t>
-            </a:r>
-          </a:p>
-          <a:p>
-            <a:r>
-              <a:rPr lang="en-US" dirty="0"/>
-              <a:t>The side-purpose of the presentation is to introduce the whole class to numerous technologies that we might not know anything about. So that, somebody might say to themselves: “Hmmm… I want to learn about this ‘Go’ thingy…”</a:t>
-            </a:r>
-          </a:p>
-        </p:txBody>
-      </p:sp>
+      <p:pic>
+        <p:nvPicPr>
+          <p:cNvPr id="7" name="Picture 6">
+            <a:extLst>
+              <a:ext uri="{FF2B5EF4-FFF2-40B4-BE49-F238E27FC236}">
+                <a16:creationId xmlns:a16="http://schemas.microsoft.com/office/drawing/2014/main" id="{033FAB88-647B-9E42-8317-CDCD5E52BBC6}"/>
+              </a:ext>
+            </a:extLst>
+          </p:cNvPr>
+          <p:cNvPicPr>
+            <a:picLocks noChangeAspect="1"/>
+          </p:cNvPicPr>
+          <p:nvPr/>
+        </p:nvPicPr>
+        <p:blipFill>
+          <a:blip r:embed="rId2">
+            <a:extLst>
+              <a:ext uri="{28A0092B-C50C-407E-A947-70E740481C1C}">
+                <a14:useLocalDpi xmlns:a14="http://schemas.microsoft.com/office/drawing/2010/main" val="0"/>
+              </a:ext>
+            </a:extLst>
+          </a:blip>
+          <a:stretch>
+            <a:fillRect/>
+          </a:stretch>
+        </p:blipFill>
+        <p:spPr>
+          <a:xfrm>
+            <a:off x="1143261" y="2260163"/>
+            <a:ext cx="3797300" cy="419100"/>
+          </a:xfrm>
+          <a:prstGeom prst="rect">
+            <a:avLst/>
+          </a:prstGeom>
+        </p:spPr>
+      </p:pic>
+      <p:pic>
+        <p:nvPicPr>
+          <p:cNvPr id="9" name="Picture 8">
+            <a:extLst>
+              <a:ext uri="{FF2B5EF4-FFF2-40B4-BE49-F238E27FC236}">
+                <a16:creationId xmlns:a16="http://schemas.microsoft.com/office/drawing/2014/main" id="{B0F8E954-93A9-3B44-AD91-2418E602570D}"/>
+              </a:ext>
+            </a:extLst>
+          </p:cNvPr>
+          <p:cNvPicPr>
+            <a:picLocks noChangeAspect="1"/>
+          </p:cNvPicPr>
+          <p:nvPr/>
+        </p:nvPicPr>
+        <p:blipFill>
+          <a:blip r:embed="rId3">
+            <a:extLst>
+              <a:ext uri="{28A0092B-C50C-407E-A947-70E740481C1C}">
+                <a14:useLocalDpi xmlns:a14="http://schemas.microsoft.com/office/drawing/2010/main" val="0"/>
+              </a:ext>
+            </a:extLst>
+          </a:blip>
+          <a:stretch>
+            <a:fillRect/>
+          </a:stretch>
+        </p:blipFill>
+        <p:spPr>
+          <a:xfrm>
+            <a:off x="868538" y="2786014"/>
+            <a:ext cx="4346747" cy="3845593"/>
+          </a:xfrm>
+          <a:prstGeom prst="rect">
+            <a:avLst/>
+          </a:prstGeom>
+        </p:spPr>
+      </p:pic>
+      <p:pic>
+        <p:nvPicPr>
+          <p:cNvPr id="11" name="Picture 10">
+            <a:extLst>
+              <a:ext uri="{FF2B5EF4-FFF2-40B4-BE49-F238E27FC236}">
+                <a16:creationId xmlns:a16="http://schemas.microsoft.com/office/drawing/2014/main" id="{23EB04CF-B06E-364F-B891-34FFCADE813A}"/>
+              </a:ext>
+            </a:extLst>
+          </p:cNvPr>
+          <p:cNvPicPr>
+            <a:picLocks noChangeAspect="1"/>
+          </p:cNvPicPr>
+          <p:nvPr/>
+        </p:nvPicPr>
+        <p:blipFill>
+          <a:blip r:embed="rId4">
+            <a:extLst>
+              <a:ext uri="{28A0092B-C50C-407E-A947-70E740481C1C}">
+                <a14:useLocalDpi xmlns:a14="http://schemas.microsoft.com/office/drawing/2010/main" val="0"/>
+              </a:ext>
+            </a:extLst>
+          </a:blip>
+          <a:stretch>
+            <a:fillRect/>
+          </a:stretch>
+        </p:blipFill>
+        <p:spPr>
+          <a:xfrm>
+            <a:off x="7066509" y="2310963"/>
+            <a:ext cx="3365500" cy="368300"/>
+          </a:xfrm>
+          <a:prstGeom prst="rect">
+            <a:avLst/>
+          </a:prstGeom>
+        </p:spPr>
+      </p:pic>
+      <p:pic>
+        <p:nvPicPr>
+          <p:cNvPr id="13" name="Picture 12">
+            <a:extLst>
+              <a:ext uri="{FF2B5EF4-FFF2-40B4-BE49-F238E27FC236}">
+                <a16:creationId xmlns:a16="http://schemas.microsoft.com/office/drawing/2014/main" id="{06BA7890-5C30-BB49-8130-21C679FA151E}"/>
+              </a:ext>
+            </a:extLst>
+          </p:cNvPr>
+          <p:cNvPicPr>
+            <a:picLocks noChangeAspect="1"/>
+          </p:cNvPicPr>
+          <p:nvPr/>
+        </p:nvPicPr>
+        <p:blipFill>
+          <a:blip r:embed="rId5">
+            <a:extLst>
+              <a:ext uri="{28A0092B-C50C-407E-A947-70E740481C1C}">
+                <a14:useLocalDpi xmlns:a14="http://schemas.microsoft.com/office/drawing/2010/main" val="0"/>
+              </a:ext>
+            </a:extLst>
+          </a:blip>
+          <a:stretch>
+            <a:fillRect/>
+          </a:stretch>
+        </p:blipFill>
+        <p:spPr>
+          <a:xfrm>
+            <a:off x="6311203" y="2786014"/>
+            <a:ext cx="4876112" cy="3845593"/>
+          </a:xfrm>
+          <a:prstGeom prst="rect">
+            <a:avLst/>
+          </a:prstGeom>
+        </p:spPr>
+      </p:pic>
     </p:spTree>
     <p:extLst>
       <p:ext uri="{BB962C8B-B14F-4D97-AF65-F5344CB8AC3E}">
@@ -4356,12 +4516,233 @@
         </p:nvSpPr>
         <p:spPr/>
         <p:txBody>
-          <a:bodyPr/>
+          <a:bodyPr>
+            <a:normAutofit/>
+          </a:bodyPr>
           <a:lstStyle/>
           <a:p>
             <a:r>
               <a:rPr lang="en-US" dirty="0"/>
-              <a:t>ONE SLIDE: Describe the Semester-long Scrum Process	</a:t>
+              <a:t>TECHNOLOGIES</a:t>
+            </a:r>
+          </a:p>
+        </p:txBody>
+      </p:sp>
+      <p:pic>
+        <p:nvPicPr>
+          <p:cNvPr id="14" name="Picture 13">
+            <a:extLst>
+              <a:ext uri="{FF2B5EF4-FFF2-40B4-BE49-F238E27FC236}">
+                <a16:creationId xmlns:a16="http://schemas.microsoft.com/office/drawing/2014/main" id="{CA6642F5-9E6E-974B-9AB2-E494E534899E}"/>
+              </a:ext>
+            </a:extLst>
+          </p:cNvPr>
+          <p:cNvPicPr>
+            <a:picLocks noChangeAspect="1"/>
+          </p:cNvPicPr>
+          <p:nvPr/>
+        </p:nvPicPr>
+        <p:blipFill>
+          <a:blip r:embed="rId2">
+            <a:extLst>
+              <a:ext uri="{28A0092B-C50C-407E-A947-70E740481C1C}">
+                <a14:useLocalDpi xmlns:a14="http://schemas.microsoft.com/office/drawing/2010/main" val="0"/>
+              </a:ext>
+            </a:extLst>
+          </a:blip>
+          <a:stretch>
+            <a:fillRect/>
+          </a:stretch>
+        </p:blipFill>
+        <p:spPr>
+          <a:xfrm>
+            <a:off x="457200" y="3056466"/>
+            <a:ext cx="11277600" cy="1879600"/>
+          </a:xfrm>
+          <a:prstGeom prst="rect">
+            <a:avLst/>
+          </a:prstGeom>
+        </p:spPr>
+      </p:pic>
+    </p:spTree>
+    <p:extLst>
+      <p:ext uri="{BB962C8B-B14F-4D97-AF65-F5344CB8AC3E}">
+        <p14:creationId xmlns:p14="http://schemas.microsoft.com/office/powerpoint/2010/main" val="2501803052"/>
+      </p:ext>
+    </p:extLst>
+  </p:cSld>
+  <p:clrMapOvr>
+    <a:masterClrMapping/>
+  </p:clrMapOvr>
+</p:sld>
+</file>
+
+<file path=ppt/slides/slide6.xml><?xml version="1.0" encoding="utf-8"?>
+<p:sld xmlns:a="http://schemas.openxmlformats.org/drawingml/2006/main" xmlns:r="http://schemas.openxmlformats.org/officeDocument/2006/relationships" xmlns:p="http://schemas.openxmlformats.org/presentationml/2006/main">
+  <p:cSld>
+    <p:spTree>
+      <p:nvGrpSpPr>
+        <p:cNvPr id="1" name=""/>
+        <p:cNvGrpSpPr/>
+        <p:nvPr/>
+      </p:nvGrpSpPr>
+      <p:grpSpPr>
+        <a:xfrm>
+          <a:off x="0" y="0"/>
+          <a:ext cx="0" cy="0"/>
+          <a:chOff x="0" y="0"/>
+          <a:chExt cx="0" cy="0"/>
+        </a:xfrm>
+      </p:grpSpPr>
+      <p:sp>
+        <p:nvSpPr>
+          <p:cNvPr id="2" name="Title 1"/>
+          <p:cNvSpPr>
+            <a:spLocks noGrp="1"/>
+          </p:cNvSpPr>
+          <p:nvPr>
+            <p:ph type="title"/>
+          </p:nvPr>
+        </p:nvSpPr>
+        <p:spPr/>
+        <p:txBody>
+          <a:bodyPr>
+            <a:normAutofit/>
+          </a:bodyPr>
+          <a:lstStyle/>
+          <a:p>
+            <a:r>
+              <a:rPr lang="en-US" dirty="0"/>
+              <a:t>TECHNOLOGIES</a:t>
+            </a:r>
+          </a:p>
+        </p:txBody>
+      </p:sp>
+      <p:pic>
+        <p:nvPicPr>
+          <p:cNvPr id="4" name="Picture 3">
+            <a:extLst>
+              <a:ext uri="{FF2B5EF4-FFF2-40B4-BE49-F238E27FC236}">
+                <a16:creationId xmlns:a16="http://schemas.microsoft.com/office/drawing/2014/main" id="{01FECE59-664F-3943-B969-6CDA2718C2C5}"/>
+              </a:ext>
+            </a:extLst>
+          </p:cNvPr>
+          <p:cNvPicPr>
+            <a:picLocks noChangeAspect="1"/>
+          </p:cNvPicPr>
+          <p:nvPr/>
+        </p:nvPicPr>
+        <p:blipFill>
+          <a:blip r:embed="rId2">
+            <a:extLst>
+              <a:ext uri="{28A0092B-C50C-407E-A947-70E740481C1C}">
+                <a14:useLocalDpi xmlns:a14="http://schemas.microsoft.com/office/drawing/2010/main" val="0"/>
+              </a:ext>
+            </a:extLst>
+          </a:blip>
+          <a:stretch>
+            <a:fillRect/>
+          </a:stretch>
+        </p:blipFill>
+        <p:spPr>
+          <a:xfrm>
+            <a:off x="6096000" y="2406405"/>
+            <a:ext cx="4359913" cy="2951941"/>
+          </a:xfrm>
+          <a:prstGeom prst="rect">
+            <a:avLst/>
+          </a:prstGeom>
+        </p:spPr>
+      </p:pic>
+      <p:pic>
+        <p:nvPicPr>
+          <p:cNvPr id="6" name="Picture 5">
+            <a:extLst>
+              <a:ext uri="{FF2B5EF4-FFF2-40B4-BE49-F238E27FC236}">
+                <a16:creationId xmlns:a16="http://schemas.microsoft.com/office/drawing/2014/main" id="{344CBA2F-7ED3-3B4B-A97D-6964127EB61D}"/>
+              </a:ext>
+            </a:extLst>
+          </p:cNvPr>
+          <p:cNvPicPr>
+            <a:picLocks noChangeAspect="1"/>
+          </p:cNvPicPr>
+          <p:nvPr/>
+        </p:nvPicPr>
+        <p:blipFill>
+          <a:blip r:embed="rId3">
+            <a:extLst>
+              <a:ext uri="{28A0092B-C50C-407E-A947-70E740481C1C}">
+                <a14:useLocalDpi xmlns:a14="http://schemas.microsoft.com/office/drawing/2010/main" val="0"/>
+              </a:ext>
+            </a:extLst>
+          </a:blip>
+          <a:stretch>
+            <a:fillRect/>
+          </a:stretch>
+        </p:blipFill>
+        <p:spPr>
+          <a:xfrm>
+            <a:off x="1404079" y="2406405"/>
+            <a:ext cx="4359913" cy="4040895"/>
+          </a:xfrm>
+          <a:prstGeom prst="rect">
+            <a:avLst/>
+          </a:prstGeom>
+        </p:spPr>
+      </p:pic>
+    </p:spTree>
+    <p:extLst>
+      <p:ext uri="{BB962C8B-B14F-4D97-AF65-F5344CB8AC3E}">
+        <p14:creationId xmlns:p14="http://schemas.microsoft.com/office/powerpoint/2010/main" val="1333288560"/>
+      </p:ext>
+    </p:extLst>
+  </p:cSld>
+  <p:clrMapOvr>
+    <a:masterClrMapping/>
+  </p:clrMapOvr>
+</p:sld>
+</file>
+
+<file path=ppt/slides/slide7.xml><?xml version="1.0" encoding="utf-8"?>
+<p:sld xmlns:a="http://schemas.openxmlformats.org/drawingml/2006/main" xmlns:r="http://schemas.openxmlformats.org/officeDocument/2006/relationships" xmlns:p="http://schemas.openxmlformats.org/presentationml/2006/main">
+  <p:cSld>
+    <p:spTree>
+      <p:nvGrpSpPr>
+        <p:cNvPr id="1" name=""/>
+        <p:cNvGrpSpPr/>
+        <p:nvPr/>
+      </p:nvGrpSpPr>
+      <p:grpSpPr>
+        <a:xfrm>
+          <a:off x="0" y="0"/>
+          <a:ext cx="0" cy="0"/>
+          <a:chOff x="0" y="0"/>
+          <a:chExt cx="0" cy="0"/>
+        </a:xfrm>
+      </p:grpSpPr>
+      <p:sp>
+        <p:nvSpPr>
+          <p:cNvPr id="2" name="Title 1"/>
+          <p:cNvSpPr>
+            <a:spLocks noGrp="1"/>
+          </p:cNvSpPr>
+          <p:nvPr>
+            <p:ph type="title"/>
+          </p:nvPr>
+        </p:nvSpPr>
+        <p:spPr>
+          <a:xfrm>
+            <a:off x="2231136" y="964692"/>
+            <a:ext cx="7729728" cy="1188720"/>
+          </a:xfrm>
+        </p:spPr>
+        <p:txBody>
+          <a:bodyPr/>
+          <a:lstStyle/>
+          <a:p>
+            <a:r>
+              <a:rPr lang="en-US" dirty="0"/>
+              <a:t>the Semester-long Scrum Process</a:t>
             </a:r>
           </a:p>
         </p:txBody>
@@ -4434,7 +4815,7 @@
 </p:sld>
 </file>
 
-<file path=ppt/slides/slide6.xml><?xml version="1.0" encoding="utf-8"?>
+<file path=ppt/slides/slide8.xml><?xml version="1.0" encoding="utf-8"?>
 <p:sld xmlns:a="http://schemas.openxmlformats.org/drawingml/2006/main" xmlns:r="http://schemas.openxmlformats.org/officeDocument/2006/relationships" xmlns:p="http://schemas.openxmlformats.org/presentationml/2006/main">
   <p:cSld>
     <p:spTree>
@@ -4516,7 +4897,7 @@
 </p:sld>
 </file>
 
-<file path=ppt/slides/slide7.xml><?xml version="1.0" encoding="utf-8"?>
+<file path=ppt/slides/slide9.xml><?xml version="1.0" encoding="utf-8"?>
 <p:sld xmlns:a="http://schemas.openxmlformats.org/drawingml/2006/main" xmlns:r="http://schemas.openxmlformats.org/officeDocument/2006/relationships" xmlns:p="http://schemas.openxmlformats.org/presentationml/2006/main">
   <p:cSld>
     <p:spTree>
@@ -4591,12 +4972,8 @@
           </a:p>
           <a:p>
             <a:r>
-              <a:rPr lang="en-US" dirty="0" err="1"/>
-              <a:t>Gogle</a:t>
-            </a:r>
-            <a:r>
               <a:rPr lang="en-US" dirty="0"/>
-              <a:t> Cloud storage space</a:t>
+              <a:t>Google Cloud storage space</a:t>
             </a:r>
           </a:p>
         </p:txBody>
@@ -4605,92 +4982,6 @@
     <p:extLst>
       <p:ext uri="{BB962C8B-B14F-4D97-AF65-F5344CB8AC3E}">
         <p14:creationId xmlns:p14="http://schemas.microsoft.com/office/powerpoint/2010/main" val="2933726341"/>
-      </p:ext>
-    </p:extLst>
-  </p:cSld>
-  <p:clrMapOvr>
-    <a:masterClrMapping/>
-  </p:clrMapOvr>
-</p:sld>
-</file>
-
-<file path=ppt/slides/slide8.xml><?xml version="1.0" encoding="utf-8"?>
-<p:sld xmlns:a="http://schemas.openxmlformats.org/drawingml/2006/main" xmlns:r="http://schemas.openxmlformats.org/officeDocument/2006/relationships" xmlns:p="http://schemas.openxmlformats.org/presentationml/2006/main">
-  <p:cSld>
-    <p:spTree>
-      <p:nvGrpSpPr>
-        <p:cNvPr id="1" name=""/>
-        <p:cNvGrpSpPr/>
-        <p:nvPr/>
-      </p:nvGrpSpPr>
-      <p:grpSpPr>
-        <a:xfrm>
-          <a:off x="0" y="0"/>
-          <a:ext cx="0" cy="0"/>
-          <a:chOff x="0" y="0"/>
-          <a:chExt cx="0" cy="0"/>
-        </a:xfrm>
-      </p:grpSpPr>
-      <p:sp>
-        <p:nvSpPr>
-          <p:cNvPr id="2" name="Title 1"/>
-          <p:cNvSpPr>
-            <a:spLocks noGrp="1"/>
-          </p:cNvSpPr>
-          <p:nvPr>
-            <p:ph type="title"/>
-          </p:nvPr>
-        </p:nvSpPr>
-        <p:spPr/>
-        <p:txBody>
-          <a:bodyPr/>
-          <a:lstStyle/>
-          <a:p>
-            <a:r>
-              <a:rPr lang="en-US" dirty="0"/>
-              <a:t>Live demo of current state of the software</a:t>
-            </a:r>
-          </a:p>
-        </p:txBody>
-      </p:sp>
-      <p:sp>
-        <p:nvSpPr>
-          <p:cNvPr id="3" name="Content Placeholder 2"/>
-          <p:cNvSpPr>
-            <a:spLocks noGrp="1"/>
-          </p:cNvSpPr>
-          <p:nvPr>
-            <p:ph idx="1"/>
-          </p:nvPr>
-        </p:nvSpPr>
-        <p:spPr/>
-        <p:txBody>
-          <a:bodyPr/>
-          <a:lstStyle/>
-          <a:p>
-            <a:r>
-              <a:rPr lang="en-US" dirty="0"/>
-              <a:t>This is super important…. So, be sure not to break your code before presentation day. Fork often so that you have backups of working versions of the project.</a:t>
-            </a:r>
-          </a:p>
-          <a:p>
-            <a:r>
-              <a:rPr lang="en-US" dirty="0"/>
-              <a:t>Make sure for the mid-term, and especially the final presentation, you have a working live demo.</a:t>
-            </a:r>
-          </a:p>
-          <a:p>
-            <a:r>
-              <a:rPr lang="en-US" dirty="0"/>
-              <a:t>Your presentation ends with the live demo and afterwards you can ask the audience for questions.  </a:t>
-            </a:r>
-          </a:p>
-        </p:txBody>
-      </p:sp>
-    </p:spTree>
-    <p:extLst>
-      <p:ext uri="{BB962C8B-B14F-4D97-AF65-F5344CB8AC3E}">
-        <p14:creationId xmlns:p14="http://schemas.microsoft.com/office/powerpoint/2010/main" val="2809060499"/>
       </p:ext>
     </p:extLst>
   </p:cSld>
